--- a/presentation/temp_slides.pptx
+++ b/presentation/temp_slides.pptx
@@ -6,8 +6,10 @@
   </p:sldMasterIdLst>
   <p:sldIdLst>
     <p:sldId id="265" r:id="rId2"/>
-    <p:sldId id="261" r:id="rId3"/>
-    <p:sldId id="288" r:id="rId4"/>
+    <p:sldId id="271" r:id="rId3"/>
+    <p:sldId id="261" r:id="rId4"/>
+    <p:sldId id="288" r:id="rId5"/>
+    <p:sldId id="279" r:id="rId6"/>
   </p:sldIdLst>
   <p:sldSz cx="12192000" cy="6858000"/>
   <p:notesSz cx="6858000" cy="9144000"/>
@@ -263,7 +265,7 @@
           <a:p>
             <a:fld id="{81480D31-9CF1-4F0F-941D-17822BC6ECDD}" type="datetimeFigureOut">
               <a:rPr lang="en-GB" smtClean="0"/>
-              <a:t>2021.01.17</a:t>
+              <a:t>2021.01.18</a:t>
             </a:fld>
             <a:endParaRPr lang="en-GB"/>
           </a:p>
@@ -463,7 +465,7 @@
           <a:p>
             <a:fld id="{81480D31-9CF1-4F0F-941D-17822BC6ECDD}" type="datetimeFigureOut">
               <a:rPr lang="en-GB" smtClean="0"/>
-              <a:t>2021.01.17</a:t>
+              <a:t>2021.01.18</a:t>
             </a:fld>
             <a:endParaRPr lang="en-GB"/>
           </a:p>
@@ -673,7 +675,7 @@
           <a:p>
             <a:fld id="{81480D31-9CF1-4F0F-941D-17822BC6ECDD}" type="datetimeFigureOut">
               <a:rPr lang="en-GB" smtClean="0"/>
-              <a:t>2021.01.17</a:t>
+              <a:t>2021.01.18</a:t>
             </a:fld>
             <a:endParaRPr lang="en-GB"/>
           </a:p>
@@ -873,7 +875,7 @@
           <a:p>
             <a:fld id="{81480D31-9CF1-4F0F-941D-17822BC6ECDD}" type="datetimeFigureOut">
               <a:rPr lang="en-GB" smtClean="0"/>
-              <a:t>2021.01.17</a:t>
+              <a:t>2021.01.18</a:t>
             </a:fld>
             <a:endParaRPr lang="en-GB"/>
           </a:p>
@@ -1149,7 +1151,7 @@
           <a:p>
             <a:fld id="{81480D31-9CF1-4F0F-941D-17822BC6ECDD}" type="datetimeFigureOut">
               <a:rPr lang="en-GB" smtClean="0"/>
-              <a:t>2021.01.17</a:t>
+              <a:t>2021.01.18</a:t>
             </a:fld>
             <a:endParaRPr lang="en-GB"/>
           </a:p>
@@ -1417,7 +1419,7 @@
           <a:p>
             <a:fld id="{81480D31-9CF1-4F0F-941D-17822BC6ECDD}" type="datetimeFigureOut">
               <a:rPr lang="en-GB" smtClean="0"/>
-              <a:t>2021.01.17</a:t>
+              <a:t>2021.01.18</a:t>
             </a:fld>
             <a:endParaRPr lang="en-GB"/>
           </a:p>
@@ -1832,7 +1834,7 @@
           <a:p>
             <a:fld id="{81480D31-9CF1-4F0F-941D-17822BC6ECDD}" type="datetimeFigureOut">
               <a:rPr lang="en-GB" smtClean="0"/>
-              <a:t>2021.01.17</a:t>
+              <a:t>2021.01.18</a:t>
             </a:fld>
             <a:endParaRPr lang="en-GB"/>
           </a:p>
@@ -1974,7 +1976,7 @@
           <a:p>
             <a:fld id="{81480D31-9CF1-4F0F-941D-17822BC6ECDD}" type="datetimeFigureOut">
               <a:rPr lang="en-GB" smtClean="0"/>
-              <a:t>2021.01.17</a:t>
+              <a:t>2021.01.18</a:t>
             </a:fld>
             <a:endParaRPr lang="en-GB"/>
           </a:p>
@@ -2087,7 +2089,7 @@
           <a:p>
             <a:fld id="{81480D31-9CF1-4F0F-941D-17822BC6ECDD}" type="datetimeFigureOut">
               <a:rPr lang="en-GB" smtClean="0"/>
-              <a:t>2021.01.17</a:t>
+              <a:t>2021.01.18</a:t>
             </a:fld>
             <a:endParaRPr lang="en-GB"/>
           </a:p>
@@ -2400,7 +2402,7 @@
           <a:p>
             <a:fld id="{81480D31-9CF1-4F0F-941D-17822BC6ECDD}" type="datetimeFigureOut">
               <a:rPr lang="en-GB" smtClean="0"/>
-              <a:t>2021.01.17</a:t>
+              <a:t>2021.01.18</a:t>
             </a:fld>
             <a:endParaRPr lang="en-GB"/>
           </a:p>
@@ -2689,7 +2691,7 @@
           <a:p>
             <a:fld id="{81480D31-9CF1-4F0F-941D-17822BC6ECDD}" type="datetimeFigureOut">
               <a:rPr lang="en-GB" smtClean="0"/>
-              <a:t>2021.01.17</a:t>
+              <a:t>2021.01.18</a:t>
             </a:fld>
             <a:endParaRPr lang="en-GB"/>
           </a:p>
@@ -2932,7 +2934,7 @@
           <a:p>
             <a:fld id="{81480D31-9CF1-4F0F-941D-17822BC6ECDD}" type="datetimeFigureOut">
               <a:rPr lang="en-GB" smtClean="0"/>
-              <a:t>2021.01.17</a:t>
+              <a:t>2021.01.18</a:t>
             </a:fld>
             <a:endParaRPr lang="en-GB"/>
           </a:p>
@@ -3551,7 +3553,7 @@
           <p:cNvPr id="2" name="Title 1">
             <a:extLst>
               <a:ext uri="{FF2B5EF4-FFF2-40B4-BE49-F238E27FC236}">
-                <a16:creationId xmlns:a16="http://schemas.microsoft.com/office/drawing/2014/main" id="{4ED698A7-673E-43B6-BBC2-062CCE0B5910}"/>
+                <a16:creationId xmlns:a16="http://schemas.microsoft.com/office/drawing/2014/main" id="{F6B28E8E-F02A-4A43-897A-32422D830221}"/>
               </a:ext>
             </a:extLst>
           </p:cNvPr>
@@ -3568,8 +3570,12 @@
           <a:lstStyle/>
           <a:p>
             <a:r>
-              <a:rPr lang="en-GB" dirty="0"/>
-              <a:t>Research group and interests</a:t>
+              <a:rPr lang="en-GB" dirty="0">
+                <a:solidFill>
+                  <a:schemeClr val="tx1"/>
+                </a:solidFill>
+              </a:rPr>
+              <a:t>RR Lyrae catalogues</a:t>
             </a:r>
           </a:p>
         </p:txBody>
@@ -3579,7 +3585,7 @@
           <p:cNvPr id="3" name="Content Placeholder 2">
             <a:extLst>
               <a:ext uri="{FF2B5EF4-FFF2-40B4-BE49-F238E27FC236}">
-                <a16:creationId xmlns:a16="http://schemas.microsoft.com/office/drawing/2014/main" id="{1C72CEA8-DDEE-4529-B268-3AE96822FAD4}"/>
+                <a16:creationId xmlns:a16="http://schemas.microsoft.com/office/drawing/2014/main" id="{825DFD6C-AAC3-4FBB-8E6F-0228358E94BF}"/>
               </a:ext>
             </a:extLst>
           </p:cNvPr>
@@ -3590,9 +3596,16 @@
             <p:ph idx="1"/>
           </p:nvPr>
         </p:nvSpPr>
-        <p:spPr/>
-        <p:txBody>
-          <a:bodyPr/>
+        <p:spPr>
+          <a:xfrm>
+            <a:off x="1097280" y="1845734"/>
+            <a:ext cx="10058400" cy="4000286"/>
+          </a:xfrm>
+        </p:spPr>
+        <p:txBody>
+          <a:bodyPr>
+            <a:normAutofit lnSpcReduction="10000"/>
+          </a:bodyPr>
           <a:lstStyle/>
           <a:p>
             <a:pPr>
@@ -3602,7 +3615,7 @@
             </a:pPr>
             <a:r>
               <a:rPr lang="en-GB" dirty="0"/>
-              <a:t>Research interests of the project supervisor: Dr Victoria Scowcroft</a:t>
+              <a:t>Positions (in RA and Dec) and periods of known RRLs obtained from star catalogues</a:t>
             </a:r>
           </a:p>
           <a:p>
@@ -3612,8 +3625,12 @@
               <a:buChar char="•"/>
             </a:pPr>
             <a:r>
+              <a:rPr lang="en-GB" i="1" dirty="0"/>
+              <a:t>Catalogue of Variable Stars in Galactic Globular Clusters </a:t>
+            </a:r>
+            <a:r>
               <a:rPr lang="en-GB" dirty="0"/>
-              <a:t>Involved in the SMHASH program and CRRP </a:t>
+              <a:t>maintained by Christine Clement</a:t>
             </a:r>
           </a:p>
           <a:p>
@@ -3624,7 +3641,15 @@
             </a:pPr>
             <a:r>
               <a:rPr lang="en-GB" dirty="0"/>
-              <a:t>Interests surround scaling the cosmic distance ladder </a:t>
+              <a:t>Region search in</a:t>
+            </a:r>
+            <a:r>
+              <a:rPr lang="en-GB" i="1" dirty="0"/>
+              <a:t> Gaia </a:t>
+            </a:r>
+            <a:r>
+              <a:rPr lang="en-GB" dirty="0"/>
+              <a:t>of stars flagged as variable in 10’ radius around the clusters to identify any extra RRLs within the epoch frames</a:t>
             </a:r>
           </a:p>
           <a:p>
@@ -3635,29 +3660,31 @@
             </a:pPr>
             <a:r>
               <a:rPr lang="en-GB" dirty="0"/>
-              <a:t>Obtaining precise Hubble constant values</a:t>
-            </a:r>
-          </a:p>
-          <a:p>
-            <a:pPr>
-              <a:buClrTx/>
-              <a:buFont typeface="Arial" panose="020B0604020202020204" pitchFamily="34" charset="0"/>
-              <a:buChar char="•"/>
-            </a:pPr>
+              <a:t>140784 RRLs in </a:t>
+            </a:r>
+            <a:r>
+              <a:rPr lang="en-GB" i="1" dirty="0"/>
+              <a:t>Gaia </a:t>
+            </a:r>
             <a:r>
               <a:rPr lang="en-GB" dirty="0"/>
-              <a:t>Worked on both Classical Cepheids and RR Lyrae variables</a:t>
-            </a:r>
-          </a:p>
-          <a:p>
-            <a:pPr>
-              <a:buClrTx/>
-              <a:buFont typeface="Arial" panose="020B0604020202020204" pitchFamily="34" charset="0"/>
-              <a:buChar char="•"/>
-            </a:pPr>
+              <a:t>Data Release 2 (DR2) searched and matched using </a:t>
+            </a:r>
+            <a:r>
+              <a:rPr lang="en-GB" dirty="0" err="1">
+                <a:latin typeface="Consolas" panose="020B0609020204030204" pitchFamily="49" charset="0"/>
+              </a:rPr>
+              <a:t>source_ids</a:t>
+            </a:r>
+            <a:r>
+              <a:rPr lang="en-GB" dirty="0">
+                <a:latin typeface="Consolas" panose="020B0609020204030204" pitchFamily="49" charset="0"/>
+              </a:rPr>
+              <a:t> </a:t>
+            </a:r>
             <a:r>
               <a:rPr lang="en-GB" dirty="0"/>
-              <a:t>This particular project surrounds the bottom rungs of the cosmic distance ladder</a:t>
+              <a:t>from the region search to obtain more up to date periods as well as RRL type</a:t>
             </a:r>
           </a:p>
         </p:txBody>
@@ -3667,7 +3694,7 @@
           <p:cNvPr id="4" name="Slide Number Placeholder 3">
             <a:extLst>
               <a:ext uri="{FF2B5EF4-FFF2-40B4-BE49-F238E27FC236}">
-                <a16:creationId xmlns:a16="http://schemas.microsoft.com/office/drawing/2014/main" id="{67F87D0D-1284-4396-B4C1-3ED101D555A3}"/>
+                <a16:creationId xmlns:a16="http://schemas.microsoft.com/office/drawing/2014/main" id="{A934F8C0-76AD-448B-8ABC-38403BFB9B67}"/>
               </a:ext>
             </a:extLst>
           </p:cNvPr>
@@ -3694,12 +3721,133 @@
           </a:p>
         </p:txBody>
       </p:sp>
-      <p:sp>
-        <p:nvSpPr>
-          <p:cNvPr id="5" name="Footer Placeholder 4">
-            <a:extLst>
-              <a:ext uri="{FF2B5EF4-FFF2-40B4-BE49-F238E27FC236}">
-                <a16:creationId xmlns:a16="http://schemas.microsoft.com/office/drawing/2014/main" id="{C5623EE2-7E43-4484-A459-8DD1E38DCF3A}"/>
+      <p:pic>
+        <p:nvPicPr>
+          <p:cNvPr id="6" name="Picture 5" descr="Calendar&#10;&#10;Description automatically generated with low confidence">
+            <a:extLst>
+              <a:ext uri="{FF2B5EF4-FFF2-40B4-BE49-F238E27FC236}">
+                <a16:creationId xmlns:a16="http://schemas.microsoft.com/office/drawing/2014/main" id="{89C11C2A-A863-488D-96A5-EDE68FE6800B}"/>
+              </a:ext>
+            </a:extLst>
+          </p:cNvPr>
+          <p:cNvPicPr>
+            <a:picLocks noChangeAspect="1"/>
+          </p:cNvPicPr>
+          <p:nvPr/>
+        </p:nvPicPr>
+        <p:blipFill>
+          <a:blip r:embed="rId2">
+            <a:extLst>
+              <a:ext uri="{28A0092B-C50C-407E-A947-70E740481C1C}">
+                <a14:useLocalDpi xmlns:a14="http://schemas.microsoft.com/office/drawing/2010/main" val="0"/>
+              </a:ext>
+            </a:extLst>
+          </a:blip>
+          <a:stretch>
+            <a:fillRect/>
+          </a:stretch>
+        </p:blipFill>
+        <p:spPr>
+          <a:xfrm>
+            <a:off x="6557370" y="4737601"/>
+            <a:ext cx="4598310" cy="1450758"/>
+          </a:xfrm>
+          <a:prstGeom prst="rect">
+            <a:avLst/>
+          </a:prstGeom>
+        </p:spPr>
+      </p:pic>
+      <p:sp>
+        <p:nvSpPr>
+          <p:cNvPr id="7" name="TextBox 6">
+            <a:extLst>
+              <a:ext uri="{FF2B5EF4-FFF2-40B4-BE49-F238E27FC236}">
+                <a16:creationId xmlns:a16="http://schemas.microsoft.com/office/drawing/2014/main" id="{3EFF6B6E-4501-42CA-9C3A-8E991BC23DB2}"/>
+              </a:ext>
+            </a:extLst>
+          </p:cNvPr>
+          <p:cNvSpPr txBox="1"/>
+          <p:nvPr/>
+        </p:nvSpPr>
+        <p:spPr>
+          <a:xfrm>
+            <a:off x="2997476" y="5854683"/>
+            <a:ext cx="3545633" cy="369332"/>
+          </a:xfrm>
+          <a:prstGeom prst="rect">
+            <a:avLst/>
+          </a:prstGeom>
+          <a:noFill/>
+        </p:spPr>
+        <p:txBody>
+          <a:bodyPr wrap="square" rtlCol="0">
+            <a:spAutoFit/>
+          </a:bodyPr>
+          <a:lstStyle/>
+          <a:p>
+            <a:pPr algn="r"/>
+            <a:r>
+              <a:rPr lang="en-GB" i="1" dirty="0"/>
+              <a:t>Credit: Christine Clement </a:t>
+            </a:r>
+          </a:p>
+        </p:txBody>
+      </p:sp>
+      <p:sp>
+        <p:nvSpPr>
+          <p:cNvPr id="8" name="TextBox 7">
+            <a:extLst>
+              <a:ext uri="{FF2B5EF4-FFF2-40B4-BE49-F238E27FC236}">
+                <a16:creationId xmlns:a16="http://schemas.microsoft.com/office/drawing/2014/main" id="{A1F4CC0D-A55F-4262-AB23-45D376BBC994}"/>
+              </a:ext>
+            </a:extLst>
+          </p:cNvPr>
+          <p:cNvSpPr txBox="1"/>
+          <p:nvPr/>
+        </p:nvSpPr>
+        <p:spPr>
+          <a:xfrm>
+            <a:off x="1097280" y="4737601"/>
+            <a:ext cx="5075339" cy="923330"/>
+          </a:xfrm>
+          <a:prstGeom prst="rect">
+            <a:avLst/>
+          </a:prstGeom>
+          <a:noFill/>
+        </p:spPr>
+        <p:txBody>
+          <a:bodyPr wrap="square" rtlCol="0">
+            <a:spAutoFit/>
+          </a:bodyPr>
+          <a:lstStyle/>
+          <a:p>
+            <a:r>
+              <a:rPr lang="en-GB" dirty="0"/>
+              <a:t>Example of the Catalogue of RRLs in Pal 5:</a:t>
+            </a:r>
+          </a:p>
+          <a:p>
+            <a:r>
+              <a:rPr lang="en-GB" dirty="0"/>
+              <a:t>Note- Periods in days and RR1 type RRLs designated here correspond to </a:t>
+            </a:r>
+            <a:r>
+              <a:rPr lang="en-GB" dirty="0" err="1"/>
+              <a:t>RRc</a:t>
+            </a:r>
+            <a:r>
+              <a:rPr lang="en-GB" dirty="0"/>
+              <a:t> type RRLs</a:t>
+            </a:r>
+          </a:p>
+        </p:txBody>
+      </p:sp>
+      <p:sp>
+        <p:nvSpPr>
+          <p:cNvPr id="9" name="Footer Placeholder 8">
+            <a:extLst>
+              <a:ext uri="{FF2B5EF4-FFF2-40B4-BE49-F238E27FC236}">
+                <a16:creationId xmlns:a16="http://schemas.microsoft.com/office/drawing/2014/main" id="{F7F0AE05-67F2-4321-953B-9C64A7BD4065}"/>
               </a:ext>
             </a:extLst>
           </p:cNvPr>
@@ -3717,7 +3865,7 @@
           <a:p>
             <a:r>
               <a:rPr lang="en-US"/>
-              <a:t>INTRODUCTION</a:t>
+              <a:t>METHODOLOGY</a:t>
             </a:r>
             <a:endParaRPr lang="en-US" dirty="0">
               <a:latin typeface="+mn-lt"/>
@@ -3728,7 +3876,7 @@
     </p:spTree>
     <p:extLst>
       <p:ext uri="{BB962C8B-B14F-4D97-AF65-F5344CB8AC3E}">
-        <p14:creationId xmlns:p14="http://schemas.microsoft.com/office/powerpoint/2010/main" val="329398867"/>
+        <p14:creationId xmlns:p14="http://schemas.microsoft.com/office/powerpoint/2010/main" val="1939392849"/>
       </p:ext>
     </p:extLst>
   </p:cSld>
@@ -3760,6 +3908,215 @@
           <p:cNvPr id="2" name="Title 1">
             <a:extLst>
               <a:ext uri="{FF2B5EF4-FFF2-40B4-BE49-F238E27FC236}">
+                <a16:creationId xmlns:a16="http://schemas.microsoft.com/office/drawing/2014/main" id="{4ED698A7-673E-43B6-BBC2-062CCE0B5910}"/>
+              </a:ext>
+            </a:extLst>
+          </p:cNvPr>
+          <p:cNvSpPr>
+            <a:spLocks noGrp="1"/>
+          </p:cNvSpPr>
+          <p:nvPr>
+            <p:ph type="title"/>
+          </p:nvPr>
+        </p:nvSpPr>
+        <p:spPr/>
+        <p:txBody>
+          <a:bodyPr/>
+          <a:lstStyle/>
+          <a:p>
+            <a:r>
+              <a:rPr lang="en-GB" dirty="0"/>
+              <a:t>Research group and interests</a:t>
+            </a:r>
+          </a:p>
+        </p:txBody>
+      </p:sp>
+      <p:sp>
+        <p:nvSpPr>
+          <p:cNvPr id="3" name="Content Placeholder 2">
+            <a:extLst>
+              <a:ext uri="{FF2B5EF4-FFF2-40B4-BE49-F238E27FC236}">
+                <a16:creationId xmlns:a16="http://schemas.microsoft.com/office/drawing/2014/main" id="{1C72CEA8-DDEE-4529-B268-3AE96822FAD4}"/>
+              </a:ext>
+            </a:extLst>
+          </p:cNvPr>
+          <p:cNvSpPr>
+            <a:spLocks noGrp="1"/>
+          </p:cNvSpPr>
+          <p:nvPr>
+            <p:ph idx="1"/>
+          </p:nvPr>
+        </p:nvSpPr>
+        <p:spPr/>
+        <p:txBody>
+          <a:bodyPr/>
+          <a:lstStyle/>
+          <a:p>
+            <a:pPr>
+              <a:buClrTx/>
+              <a:buFont typeface="Arial" panose="020B0604020202020204" pitchFamily="34" charset="0"/>
+              <a:buChar char="•"/>
+            </a:pPr>
+            <a:r>
+              <a:rPr lang="en-GB" dirty="0"/>
+              <a:t>Research interests of the project supervisor: Dr Victoria Scowcroft</a:t>
+            </a:r>
+          </a:p>
+          <a:p>
+            <a:pPr>
+              <a:buClrTx/>
+              <a:buFont typeface="Arial" panose="020B0604020202020204" pitchFamily="34" charset="0"/>
+              <a:buChar char="•"/>
+            </a:pPr>
+            <a:r>
+              <a:rPr lang="en-GB" dirty="0"/>
+              <a:t>Involved in the SMHASH program and CRRP </a:t>
+            </a:r>
+          </a:p>
+          <a:p>
+            <a:pPr>
+              <a:buClrTx/>
+              <a:buFont typeface="Arial" panose="020B0604020202020204" pitchFamily="34" charset="0"/>
+              <a:buChar char="•"/>
+            </a:pPr>
+            <a:r>
+              <a:rPr lang="en-GB" dirty="0"/>
+              <a:t>Interests surround scaling the cosmic distance ladder </a:t>
+            </a:r>
+          </a:p>
+          <a:p>
+            <a:pPr>
+              <a:buClrTx/>
+              <a:buFont typeface="Arial" panose="020B0604020202020204" pitchFamily="34" charset="0"/>
+              <a:buChar char="•"/>
+            </a:pPr>
+            <a:r>
+              <a:rPr lang="en-GB" dirty="0"/>
+              <a:t>Obtaining precise Hubble constant values</a:t>
+            </a:r>
+          </a:p>
+          <a:p>
+            <a:pPr>
+              <a:buClrTx/>
+              <a:buFont typeface="Arial" panose="020B0604020202020204" pitchFamily="34" charset="0"/>
+              <a:buChar char="•"/>
+            </a:pPr>
+            <a:r>
+              <a:rPr lang="en-GB" dirty="0"/>
+              <a:t>Worked on both Classical Cepheids and RR Lyrae variables</a:t>
+            </a:r>
+          </a:p>
+          <a:p>
+            <a:pPr>
+              <a:buClrTx/>
+              <a:buFont typeface="Arial" panose="020B0604020202020204" pitchFamily="34" charset="0"/>
+              <a:buChar char="•"/>
+            </a:pPr>
+            <a:r>
+              <a:rPr lang="en-GB" dirty="0"/>
+              <a:t>This particular project surrounds the bottom rungs of the cosmic distance ladder</a:t>
+            </a:r>
+          </a:p>
+        </p:txBody>
+      </p:sp>
+      <p:sp>
+        <p:nvSpPr>
+          <p:cNvPr id="4" name="Slide Number Placeholder 3">
+            <a:extLst>
+              <a:ext uri="{FF2B5EF4-FFF2-40B4-BE49-F238E27FC236}">
+                <a16:creationId xmlns:a16="http://schemas.microsoft.com/office/drawing/2014/main" id="{67F87D0D-1284-4396-B4C1-3ED101D555A3}"/>
+              </a:ext>
+            </a:extLst>
+          </p:cNvPr>
+          <p:cNvSpPr>
+            <a:spLocks noGrp="1"/>
+          </p:cNvSpPr>
+          <p:nvPr>
+            <p:ph type="sldNum" sz="quarter" idx="12"/>
+          </p:nvPr>
+        </p:nvSpPr>
+        <p:spPr/>
+        <p:txBody>
+          <a:bodyPr/>
+          <a:lstStyle/>
+          <a:p>
+            <a:fld id="{63F9D384-533B-4C4E-B660-F861AA07D173}" type="slidenum">
+              <a:rPr lang="en-US" smtClean="0"/>
+              <a:pPr/>
+              <a:t>3</a:t>
+            </a:fld>
+            <a:endParaRPr lang="en-US" dirty="0">
+              <a:latin typeface="+mn-lt"/>
+            </a:endParaRPr>
+          </a:p>
+        </p:txBody>
+      </p:sp>
+      <p:sp>
+        <p:nvSpPr>
+          <p:cNvPr id="5" name="Footer Placeholder 4">
+            <a:extLst>
+              <a:ext uri="{FF2B5EF4-FFF2-40B4-BE49-F238E27FC236}">
+                <a16:creationId xmlns:a16="http://schemas.microsoft.com/office/drawing/2014/main" id="{C5623EE2-7E43-4484-A459-8DD1E38DCF3A}"/>
+              </a:ext>
+            </a:extLst>
+          </p:cNvPr>
+          <p:cNvSpPr>
+            <a:spLocks noGrp="1"/>
+          </p:cNvSpPr>
+          <p:nvPr>
+            <p:ph type="ftr" sz="quarter" idx="11"/>
+          </p:nvPr>
+        </p:nvSpPr>
+        <p:spPr/>
+        <p:txBody>
+          <a:bodyPr/>
+          <a:lstStyle/>
+          <a:p>
+            <a:r>
+              <a:rPr lang="en-US"/>
+              <a:t>INTRODUCTION</a:t>
+            </a:r>
+            <a:endParaRPr lang="en-US" dirty="0">
+              <a:latin typeface="+mn-lt"/>
+            </a:endParaRPr>
+          </a:p>
+        </p:txBody>
+      </p:sp>
+    </p:spTree>
+    <p:extLst>
+      <p:ext uri="{BB962C8B-B14F-4D97-AF65-F5344CB8AC3E}">
+        <p14:creationId xmlns:p14="http://schemas.microsoft.com/office/powerpoint/2010/main" val="329398867"/>
+      </p:ext>
+    </p:extLst>
+  </p:cSld>
+  <p:clrMapOvr>
+    <a:masterClrMapping/>
+  </p:clrMapOvr>
+</p:sld>
+</file>
+
+<file path=ppt/slides/slide4.xml><?xml version="1.0" encoding="utf-8"?>
+<p:sld xmlns:a="http://schemas.openxmlformats.org/drawingml/2006/main" xmlns:r="http://schemas.openxmlformats.org/officeDocument/2006/relationships" xmlns:p="http://schemas.openxmlformats.org/presentationml/2006/main" show="0">
+  <p:cSld>
+    <p:spTree>
+      <p:nvGrpSpPr>
+        <p:cNvPr id="1" name=""/>
+        <p:cNvGrpSpPr/>
+        <p:nvPr/>
+      </p:nvGrpSpPr>
+      <p:grpSpPr>
+        <a:xfrm>
+          <a:off x="0" y="0"/>
+          <a:ext cx="0" cy="0"/>
+          <a:chOff x="0" y="0"/>
+          <a:chExt cx="0" cy="0"/>
+        </a:xfrm>
+      </p:grpSpPr>
+      <p:sp>
+        <p:nvSpPr>
+          <p:cNvPr id="2" name="Title 1">
+            <a:extLst>
+              <a:ext uri="{FF2B5EF4-FFF2-40B4-BE49-F238E27FC236}">
                 <a16:creationId xmlns:a16="http://schemas.microsoft.com/office/drawing/2014/main" id="{5DE86F96-8888-48BF-AC12-90215868F1EC}"/>
               </a:ext>
             </a:extLst>
@@ -3933,7 +4290,7 @@
             <a:fld id="{63F9D384-533B-4C4E-B660-F861AA07D173}" type="slidenum">
               <a:rPr lang="en-US" smtClean="0"/>
               <a:pPr/>
-              <a:t>3</a:t>
+              <a:t>4</a:t>
             </a:fld>
             <a:endParaRPr lang="en-US" dirty="0">
               <a:latin typeface="+mn-lt"/>
@@ -4012,6 +4369,2623 @@
     <p:extLst>
       <p:ext uri="{BB962C8B-B14F-4D97-AF65-F5344CB8AC3E}">
         <p14:creationId xmlns:p14="http://schemas.microsoft.com/office/powerpoint/2010/main" val="2061859068"/>
+      </p:ext>
+    </p:extLst>
+  </p:cSld>
+  <p:clrMapOvr>
+    <a:masterClrMapping/>
+  </p:clrMapOvr>
+</p:sld>
+</file>
+
+<file path=ppt/slides/slide5.xml><?xml version="1.0" encoding="utf-8"?>
+<p:sld xmlns:a="http://schemas.openxmlformats.org/drawingml/2006/main" xmlns:r="http://schemas.openxmlformats.org/officeDocument/2006/relationships" xmlns:p="http://schemas.openxmlformats.org/presentationml/2006/main">
+  <p:cSld>
+    <p:spTree>
+      <p:nvGrpSpPr>
+        <p:cNvPr id="1" name=""/>
+        <p:cNvGrpSpPr/>
+        <p:nvPr/>
+      </p:nvGrpSpPr>
+      <p:grpSpPr>
+        <a:xfrm>
+          <a:off x="0" y="0"/>
+          <a:ext cx="0" cy="0"/>
+          <a:chOff x="0" y="0"/>
+          <a:chExt cx="0" cy="0"/>
+        </a:xfrm>
+      </p:grpSpPr>
+      <p:sp>
+        <p:nvSpPr>
+          <p:cNvPr id="2" name="Title 1">
+            <a:extLst>
+              <a:ext uri="{FF2B5EF4-FFF2-40B4-BE49-F238E27FC236}">
+                <a16:creationId xmlns:a16="http://schemas.microsoft.com/office/drawing/2014/main" id="{B3C55287-40FF-4261-B2DD-9480F03EE373}"/>
+              </a:ext>
+            </a:extLst>
+          </p:cNvPr>
+          <p:cNvSpPr>
+            <a:spLocks noGrp="1"/>
+          </p:cNvSpPr>
+          <p:nvPr>
+            <p:ph type="title"/>
+          </p:nvPr>
+        </p:nvSpPr>
+        <p:spPr/>
+        <p:txBody>
+          <a:bodyPr/>
+          <a:lstStyle/>
+          <a:p>
+            <a:r>
+              <a:rPr lang="en-GB" dirty="0">
+                <a:solidFill>
+                  <a:schemeClr val="tx1"/>
+                </a:solidFill>
+              </a:rPr>
+              <a:t>Results</a:t>
+            </a:r>
+          </a:p>
+        </p:txBody>
+      </p:sp>
+      <p:sp>
+        <p:nvSpPr>
+          <p:cNvPr id="4" name="Slide Number Placeholder 3">
+            <a:extLst>
+              <a:ext uri="{FF2B5EF4-FFF2-40B4-BE49-F238E27FC236}">
+                <a16:creationId xmlns:a16="http://schemas.microsoft.com/office/drawing/2014/main" id="{A790AD1C-A50C-4476-93D1-693CB4635F6A}"/>
+              </a:ext>
+            </a:extLst>
+          </p:cNvPr>
+          <p:cNvSpPr>
+            <a:spLocks noGrp="1"/>
+          </p:cNvSpPr>
+          <p:nvPr>
+            <p:ph type="sldNum" sz="quarter" idx="12"/>
+          </p:nvPr>
+        </p:nvSpPr>
+        <p:spPr/>
+        <p:txBody>
+          <a:bodyPr/>
+          <a:lstStyle/>
+          <a:p>
+            <a:fld id="{63F9D384-533B-4C4E-B660-F861AA07D173}" type="slidenum">
+              <a:rPr lang="en-US" smtClean="0"/>
+              <a:pPr/>
+              <a:t>5</a:t>
+            </a:fld>
+            <a:endParaRPr lang="en-US" dirty="0">
+              <a:latin typeface="+mn-lt"/>
+            </a:endParaRPr>
+          </a:p>
+        </p:txBody>
+      </p:sp>
+      <p:sp>
+        <p:nvSpPr>
+          <p:cNvPr id="8" name="Footer Placeholder 7">
+            <a:extLst>
+              <a:ext uri="{FF2B5EF4-FFF2-40B4-BE49-F238E27FC236}">
+                <a16:creationId xmlns:a16="http://schemas.microsoft.com/office/drawing/2014/main" id="{707CD7C9-D344-425C-B081-583E0C97F67B}"/>
+              </a:ext>
+            </a:extLst>
+          </p:cNvPr>
+          <p:cNvSpPr>
+            <a:spLocks noGrp="1"/>
+          </p:cNvSpPr>
+          <p:nvPr>
+            <p:ph type="ftr" sz="quarter" idx="11"/>
+          </p:nvPr>
+        </p:nvSpPr>
+        <p:spPr/>
+        <p:txBody>
+          <a:bodyPr/>
+          <a:lstStyle/>
+          <a:p>
+            <a:r>
+              <a:rPr lang="en-US"/>
+              <a:t>RESULTS</a:t>
+            </a:r>
+            <a:endParaRPr lang="en-US" dirty="0">
+              <a:latin typeface="+mn-lt"/>
+            </a:endParaRPr>
+          </a:p>
+        </p:txBody>
+      </p:sp>
+      <mc:AlternateContent xmlns:mc="http://schemas.openxmlformats.org/markup-compatibility/2006" xmlns:a14="http://schemas.microsoft.com/office/drawing/2010/main">
+        <mc:Choice Requires="a14">
+          <p:graphicFrame>
+            <p:nvGraphicFramePr>
+              <p:cNvPr id="3" name="Table 5">
+                <a:extLst>
+                  <a:ext uri="{FF2B5EF4-FFF2-40B4-BE49-F238E27FC236}">
+                    <a16:creationId xmlns:a16="http://schemas.microsoft.com/office/drawing/2014/main" id="{60C4259D-876D-406E-954A-F92D0175FC38}"/>
+                  </a:ext>
+                </a:extLst>
+              </p:cNvPr>
+              <p:cNvGraphicFramePr>
+                <a:graphicFrameLocks noGrp="1"/>
+              </p:cNvGraphicFramePr>
+              <p:nvPr/>
+            </p:nvGraphicFramePr>
+            <p:xfrm>
+              <a:off x="1292041" y="2120442"/>
+              <a:ext cx="5489104" cy="1874393"/>
+            </p:xfrm>
+            <a:graphic>
+              <a:graphicData uri="http://schemas.openxmlformats.org/drawingml/2006/table">
+                <a:tbl>
+                  <a:tblPr firstRow="1" bandRow="1">
+                    <a:tableStyleId>{5940675A-B579-460E-94D1-54222C63F5DA}</a:tableStyleId>
+                  </a:tblPr>
+                  <a:tblGrid>
+                    <a:gridCol w="1493104">
+                      <a:extLst>
+                        <a:ext uri="{9D8B030D-6E8A-4147-A177-3AD203B41FA5}">
+                          <a16:colId xmlns:a16="http://schemas.microsoft.com/office/drawing/2014/main" val="3265441774"/>
+                        </a:ext>
+                      </a:extLst>
+                    </a:gridCol>
+                    <a:gridCol w="1332000">
+                      <a:extLst>
+                        <a:ext uri="{9D8B030D-6E8A-4147-A177-3AD203B41FA5}">
+                          <a16:colId xmlns:a16="http://schemas.microsoft.com/office/drawing/2014/main" val="3912092554"/>
+                        </a:ext>
+                      </a:extLst>
+                    </a:gridCol>
+                    <a:gridCol w="1332000">
+                      <a:extLst>
+                        <a:ext uri="{9D8B030D-6E8A-4147-A177-3AD203B41FA5}">
+                          <a16:colId xmlns:a16="http://schemas.microsoft.com/office/drawing/2014/main" val="1555108187"/>
+                        </a:ext>
+                      </a:extLst>
+                    </a:gridCol>
+                    <a:gridCol w="1332000">
+                      <a:extLst>
+                        <a:ext uri="{9D8B030D-6E8A-4147-A177-3AD203B41FA5}">
+                          <a16:colId xmlns:a16="http://schemas.microsoft.com/office/drawing/2014/main" val="1534291088"/>
+                        </a:ext>
+                      </a:extLst>
+                    </a:gridCol>
+                  </a:tblGrid>
+                  <a:tr h="370840">
+                    <a:tc rowSpan="2">
+                      <a:txBody>
+                        <a:bodyPr/>
+                        <a:lstStyle/>
+                        <a:p>
+                          <a:pPr algn="ctr"/>
+                          <a:r>
+                            <a:rPr lang="en-GB" b="1" dirty="0"/>
+                            <a:t>IRAC Channel</a:t>
+                          </a:r>
+                        </a:p>
+                      </a:txBody>
+                      <a:tcPr anchor="ctr"/>
+                    </a:tc>
+                    <a:tc gridSpan="3">
+                      <a:txBody>
+                        <a:bodyPr/>
+                        <a:lstStyle/>
+                        <a:p>
+                          <a:pPr algn="ctr"/>
+                          <a:r>
+                            <a:rPr lang="en-GB" b="1" dirty="0"/>
+                            <a:t>Pal 5</a:t>
+                          </a:r>
+                        </a:p>
+                      </a:txBody>
+                      <a:tcPr anchor="ctr"/>
+                    </a:tc>
+                    <a:tc hMerge="1">
+                      <a:txBody>
+                        <a:bodyPr/>
+                        <a:lstStyle/>
+                        <a:p>
+                          <a:endParaRPr lang="en-GB" dirty="0"/>
+                        </a:p>
+                      </a:txBody>
+                      <a:tcPr/>
+                    </a:tc>
+                    <a:tc hMerge="1">
+                      <a:txBody>
+                        <a:bodyPr/>
+                        <a:lstStyle/>
+                        <a:p>
+                          <a:endParaRPr lang="en-GB" dirty="0"/>
+                        </a:p>
+                      </a:txBody>
+                      <a:tcPr/>
+                    </a:tc>
+                    <a:extLst>
+                      <a:ext uri="{0D108BD9-81ED-4DB2-BD59-A6C34878D82A}">
+                        <a16:rowId xmlns:a16="http://schemas.microsoft.com/office/drawing/2014/main" val="2231387695"/>
+                      </a:ext>
+                    </a:extLst>
+                  </a:tr>
+                  <a:tr h="370840">
+                    <a:tc vMerge="1">
+                      <a:txBody>
+                        <a:bodyPr/>
+                        <a:lstStyle/>
+                        <a:p>
+                          <a:endParaRPr lang="en-GB" dirty="0"/>
+                        </a:p>
+                      </a:txBody>
+                      <a:tcPr/>
+                    </a:tc>
+                    <a:tc>
+                      <a:txBody>
+                        <a:bodyPr/>
+                        <a:lstStyle/>
+                        <a:p>
+                          <a:pPr algn="ctr"/>
+                          <a14:m>
+                            <m:oMath xmlns:m="http://schemas.openxmlformats.org/officeDocument/2006/math">
+                              <m:r>
+                                <a:rPr lang="en-GB" b="0" i="1" smtClean="0">
+                                  <a:latin typeface="Cambria Math" panose="02040503050406030204" pitchFamily="18" charset="0"/>
+                                </a:rPr>
+                                <m:t>𝑑</m:t>
+                              </m:r>
+                            </m:oMath>
+                          </a14:m>
+                          <a:r>
+                            <a:rPr lang="en-GB" b="0" dirty="0"/>
+                            <a:t> </a:t>
+                          </a:r>
+                          <a14:m>
+                            <m:oMath xmlns:m="http://schemas.openxmlformats.org/officeDocument/2006/math">
+                              <m:r>
+                                <a:rPr lang="en-GB" b="0" dirty="0" smtClean="0">
+                                  <a:latin typeface="Cambria Math" panose="02040503050406030204" pitchFamily="18" charset="0"/>
+                                </a:rPr>
+                                <m:t>(</m:t>
+                              </m:r>
+                              <m:r>
+                                <m:rPr>
+                                  <m:sty m:val="p"/>
+                                </m:rPr>
+                                <a:rPr lang="en-GB" b="0" i="0" dirty="0" smtClean="0">
+                                  <a:latin typeface="Cambria Math" panose="02040503050406030204" pitchFamily="18" charset="0"/>
+                                </a:rPr>
+                                <m:t>kpc</m:t>
+                              </m:r>
+                              <m:r>
+                                <a:rPr lang="en-GB" b="0" dirty="0" smtClean="0">
+                                  <a:latin typeface="Cambria Math" panose="02040503050406030204" pitchFamily="18" charset="0"/>
+                                </a:rPr>
+                                <m:t>)</m:t>
+                              </m:r>
+                            </m:oMath>
+                          </a14:m>
+                          <a:endParaRPr lang="en-GB" b="0" dirty="0"/>
+                        </a:p>
+                      </a:txBody>
+                      <a:tcPr/>
+                    </a:tc>
+                    <a:tc>
+                      <a:txBody>
+                        <a:bodyPr/>
+                        <a:lstStyle/>
+                        <a:p>
+                          <a:pPr algn="ctr"/>
+                          <a14:m>
+                            <m:oMathPara xmlns:m="http://schemas.openxmlformats.org/officeDocument/2006/math">
+                              <m:oMathParaPr>
+                                <m:jc m:val="centerGroup"/>
+                              </m:oMathParaPr>
+                              <m:oMath xmlns:m="http://schemas.openxmlformats.org/officeDocument/2006/math">
+                                <m:r>
+                                  <a:rPr lang="en-GB" b="0" smtClean="0">
+                                    <a:latin typeface="Cambria Math" panose="02040503050406030204" pitchFamily="18" charset="0"/>
+                                  </a:rPr>
+                                  <m:t>±</m:t>
+                                </m:r>
+                                <m:sSub>
+                                  <m:sSubPr>
+                                    <m:ctrlPr>
+                                      <a:rPr lang="en-GB" b="0" i="1" smtClean="0">
+                                        <a:latin typeface="Cambria Math" panose="02040503050406030204" pitchFamily="18" charset="0"/>
+                                      </a:rPr>
+                                    </m:ctrlPr>
+                                  </m:sSubPr>
+                                  <m:e>
+                                    <m:r>
+                                      <a:rPr lang="en-GB" b="0" i="1" smtClean="0">
+                                        <a:latin typeface="Cambria Math" panose="02040503050406030204" pitchFamily="18" charset="0"/>
+                                      </a:rPr>
+                                      <m:t>𝜎</m:t>
+                                    </m:r>
+                                  </m:e>
+                                  <m:sub>
+                                    <m:r>
+                                      <m:rPr>
+                                        <m:sty m:val="p"/>
+                                      </m:rPr>
+                                      <a:rPr lang="en-GB" b="0" i="0" smtClean="0">
+                                        <a:latin typeface="Cambria Math" panose="02040503050406030204" pitchFamily="18" charset="0"/>
+                                      </a:rPr>
+                                      <m:t>rand</m:t>
+                                    </m:r>
+                                  </m:sub>
+                                </m:sSub>
+                              </m:oMath>
+                            </m:oMathPara>
+                          </a14:m>
+                          <a:endParaRPr lang="en-GB" b="0" dirty="0"/>
+                        </a:p>
+                      </a:txBody>
+                      <a:tcPr/>
+                    </a:tc>
+                    <a:tc>
+                      <a:txBody>
+                        <a:bodyPr/>
+                        <a:lstStyle/>
+                        <a:p>
+                          <a:pPr marL="0" marR="0" lvl="0" indent="0" algn="ctr" defTabSz="914400" rtl="0" eaLnBrk="1" fontAlgn="auto" latinLnBrk="0" hangingPunct="1">
+                            <a:lnSpc>
+                              <a:spcPct val="100000"/>
+                            </a:lnSpc>
+                            <a:spcBef>
+                              <a:spcPts val="0"/>
+                            </a:spcBef>
+                            <a:spcAft>
+                              <a:spcPts val="0"/>
+                            </a:spcAft>
+                            <a:buClrTx/>
+                            <a:buSzTx/>
+                            <a:buFontTx/>
+                            <a:buNone/>
+                            <a:tabLst/>
+                            <a:defRPr/>
+                          </a:pPr>
+                          <a14:m>
+                            <m:oMathPara xmlns:m="http://schemas.openxmlformats.org/officeDocument/2006/math">
+                              <m:oMathParaPr>
+                                <m:jc m:val="centerGroup"/>
+                              </m:oMathParaPr>
+                              <m:oMath xmlns:m="http://schemas.openxmlformats.org/officeDocument/2006/math">
+                                <m:r>
+                                  <a:rPr lang="en-GB" b="0" smtClean="0">
+                                    <a:latin typeface="Cambria Math" panose="02040503050406030204" pitchFamily="18" charset="0"/>
+                                  </a:rPr>
+                                  <m:t>±</m:t>
+                                </m:r>
+                                <m:sSub>
+                                  <m:sSubPr>
+                                    <m:ctrlPr>
+                                      <a:rPr lang="en-GB" b="0" i="1" smtClean="0">
+                                        <a:latin typeface="Cambria Math" panose="02040503050406030204" pitchFamily="18" charset="0"/>
+                                      </a:rPr>
+                                    </m:ctrlPr>
+                                  </m:sSubPr>
+                                  <m:e>
+                                    <m:r>
+                                      <a:rPr lang="en-GB" b="0" i="1" smtClean="0">
+                                        <a:latin typeface="Cambria Math" panose="02040503050406030204" pitchFamily="18" charset="0"/>
+                                      </a:rPr>
+                                      <m:t>𝜎</m:t>
+                                    </m:r>
+                                  </m:e>
+                                  <m:sub>
+                                    <m:r>
+                                      <m:rPr>
+                                        <m:sty m:val="p"/>
+                                      </m:rPr>
+                                      <a:rPr lang="en-GB" b="0" i="0" smtClean="0">
+                                        <a:latin typeface="Cambria Math" panose="02040503050406030204" pitchFamily="18" charset="0"/>
+                                      </a:rPr>
+                                      <m:t>sys</m:t>
+                                    </m:r>
+                                  </m:sub>
+                                </m:sSub>
+                              </m:oMath>
+                            </m:oMathPara>
+                          </a14:m>
+                          <a:endParaRPr lang="en-GB" b="0" dirty="0"/>
+                        </a:p>
+                      </a:txBody>
+                      <a:tcPr/>
+                    </a:tc>
+                    <a:extLst>
+                      <a:ext uri="{0D108BD9-81ED-4DB2-BD59-A6C34878D82A}">
+                        <a16:rowId xmlns:a16="http://schemas.microsoft.com/office/drawing/2014/main" val="1089275689"/>
+                      </a:ext>
+                    </a:extLst>
+                  </a:tr>
+                  <a:tr h="370840">
+                    <a:tc>
+                      <a:txBody>
+                        <a:bodyPr/>
+                        <a:lstStyle/>
+                        <a:p>
+                          <a:pPr algn="ctr"/>
+                          <a14:m>
+                            <m:oMathPara xmlns:m="http://schemas.openxmlformats.org/officeDocument/2006/math">
+                              <m:oMathParaPr>
+                                <m:jc m:val="centerGroup"/>
+                              </m:oMathParaPr>
+                              <m:oMath xmlns:m="http://schemas.openxmlformats.org/officeDocument/2006/math">
+                                <m:r>
+                                  <a:rPr lang="en-GB" b="0" smtClean="0">
+                                    <a:latin typeface="Cambria Math" panose="02040503050406030204" pitchFamily="18" charset="0"/>
+                                  </a:rPr>
+                                  <m:t>[3.6]</m:t>
+                                </m:r>
+                              </m:oMath>
+                            </m:oMathPara>
+                          </a14:m>
+                          <a:endParaRPr lang="en-GB" dirty="0"/>
+                        </a:p>
+                      </a:txBody>
+                      <a:tcPr/>
+                    </a:tc>
+                    <a:tc>
+                      <a:txBody>
+                        <a:bodyPr/>
+                        <a:lstStyle/>
+                        <a:p>
+                          <a:pPr algn="ctr"/>
+                          <a14:m>
+                            <m:oMathPara xmlns:m="http://schemas.openxmlformats.org/officeDocument/2006/math">
+                              <m:oMathParaPr>
+                                <m:jc m:val="centerGroup"/>
+                              </m:oMathParaPr>
+                              <m:oMath xmlns:m="http://schemas.openxmlformats.org/officeDocument/2006/math">
+                                <m:r>
+                                  <a:rPr lang="en-GB" b="0" smtClean="0">
+                                    <a:latin typeface="Cambria Math" panose="02040503050406030204" pitchFamily="18" charset="0"/>
+                                  </a:rPr>
+                                  <m:t>20.04</m:t>
+                                </m:r>
+                              </m:oMath>
+                            </m:oMathPara>
+                          </a14:m>
+                          <a:endParaRPr lang="en-GB" dirty="0"/>
+                        </a:p>
+                      </a:txBody>
+                      <a:tcPr/>
+                    </a:tc>
+                    <a:tc>
+                      <a:txBody>
+                        <a:bodyPr/>
+                        <a:lstStyle/>
+                        <a:p>
+                          <a:pPr algn="ctr"/>
+                          <a14:m>
+                            <m:oMathPara xmlns:m="http://schemas.openxmlformats.org/officeDocument/2006/math">
+                              <m:oMathParaPr>
+                                <m:jc m:val="centerGroup"/>
+                              </m:oMathParaPr>
+                              <m:oMath xmlns:m="http://schemas.openxmlformats.org/officeDocument/2006/math">
+                                <m:r>
+                                  <a:rPr lang="en-GB" b="0" smtClean="0">
+                                    <a:latin typeface="Cambria Math" panose="02040503050406030204" pitchFamily="18" charset="0"/>
+                                  </a:rPr>
+                                  <m:t>0.37</m:t>
+                                </m:r>
+                              </m:oMath>
+                            </m:oMathPara>
+                          </a14:m>
+                          <a:endParaRPr lang="en-GB" dirty="0"/>
+                        </a:p>
+                      </a:txBody>
+                      <a:tcPr/>
+                    </a:tc>
+                    <a:tc>
+                      <a:txBody>
+                        <a:bodyPr/>
+                        <a:lstStyle/>
+                        <a:p>
+                          <a:pPr algn="ctr"/>
+                          <a14:m>
+                            <m:oMathPara xmlns:m="http://schemas.openxmlformats.org/officeDocument/2006/math">
+                              <m:oMathParaPr>
+                                <m:jc m:val="centerGroup"/>
+                              </m:oMathParaPr>
+                              <m:oMath xmlns:m="http://schemas.openxmlformats.org/officeDocument/2006/math">
+                                <m:r>
+                                  <a:rPr lang="en-GB" b="0" smtClean="0">
+                                    <a:latin typeface="Cambria Math" panose="02040503050406030204" pitchFamily="18" charset="0"/>
+                                  </a:rPr>
+                                  <m:t>1.11</m:t>
+                                </m:r>
+                              </m:oMath>
+                            </m:oMathPara>
+                          </a14:m>
+                          <a:endParaRPr lang="en-GB" dirty="0"/>
+                        </a:p>
+                      </a:txBody>
+                      <a:tcPr/>
+                    </a:tc>
+                    <a:extLst>
+                      <a:ext uri="{0D108BD9-81ED-4DB2-BD59-A6C34878D82A}">
+                        <a16:rowId xmlns:a16="http://schemas.microsoft.com/office/drawing/2014/main" val="3126510242"/>
+                      </a:ext>
+                    </a:extLst>
+                  </a:tr>
+                  <a:tr h="370840">
+                    <a:tc>
+                      <a:txBody>
+                        <a:bodyPr/>
+                        <a:lstStyle/>
+                        <a:p>
+                          <a:pPr algn="ctr"/>
+                          <a14:m>
+                            <m:oMathPara xmlns:m="http://schemas.openxmlformats.org/officeDocument/2006/math">
+                              <m:oMathParaPr>
+                                <m:jc m:val="centerGroup"/>
+                              </m:oMathParaPr>
+                              <m:oMath xmlns:m="http://schemas.openxmlformats.org/officeDocument/2006/math">
+                                <m:r>
+                                  <a:rPr lang="en-GB" b="0" smtClean="0">
+                                    <a:latin typeface="Cambria Math" panose="02040503050406030204" pitchFamily="18" charset="0"/>
+                                  </a:rPr>
+                                  <m:t>[4.5]</m:t>
+                                </m:r>
+                              </m:oMath>
+                            </m:oMathPara>
+                          </a14:m>
+                          <a:endParaRPr lang="en-GB" dirty="0"/>
+                        </a:p>
+                      </a:txBody>
+                      <a:tcPr/>
+                    </a:tc>
+                    <a:tc>
+                      <a:txBody>
+                        <a:bodyPr/>
+                        <a:lstStyle/>
+                        <a:p>
+                          <a:pPr algn="ctr"/>
+                          <a14:m>
+                            <m:oMathPara xmlns:m="http://schemas.openxmlformats.org/officeDocument/2006/math">
+                              <m:oMathParaPr>
+                                <m:jc m:val="centerGroup"/>
+                              </m:oMathParaPr>
+                              <m:oMath xmlns:m="http://schemas.openxmlformats.org/officeDocument/2006/math">
+                                <m:r>
+                                  <a:rPr lang="en-GB" b="0" smtClean="0">
+                                    <a:latin typeface="Cambria Math" panose="02040503050406030204" pitchFamily="18" charset="0"/>
+                                  </a:rPr>
+                                  <m:t>20.69</m:t>
+                                </m:r>
+                              </m:oMath>
+                            </m:oMathPara>
+                          </a14:m>
+                          <a:endParaRPr lang="en-GB" dirty="0"/>
+                        </a:p>
+                      </a:txBody>
+                      <a:tcPr/>
+                    </a:tc>
+                    <a:tc>
+                      <a:txBody>
+                        <a:bodyPr/>
+                        <a:lstStyle/>
+                        <a:p>
+                          <a:pPr algn="ctr"/>
+                          <a14:m>
+                            <m:oMathPara xmlns:m="http://schemas.openxmlformats.org/officeDocument/2006/math">
+                              <m:oMathParaPr>
+                                <m:jc m:val="centerGroup"/>
+                              </m:oMathParaPr>
+                              <m:oMath xmlns:m="http://schemas.openxmlformats.org/officeDocument/2006/math">
+                                <m:r>
+                                  <a:rPr lang="en-GB" b="0" smtClean="0">
+                                    <a:latin typeface="Cambria Math" panose="02040503050406030204" pitchFamily="18" charset="0"/>
+                                  </a:rPr>
+                                  <m:t>0.35</m:t>
+                                </m:r>
+                              </m:oMath>
+                            </m:oMathPara>
+                          </a14:m>
+                          <a:endParaRPr lang="en-GB" dirty="0"/>
+                        </a:p>
+                      </a:txBody>
+                      <a:tcPr/>
+                    </a:tc>
+                    <a:tc>
+                      <a:txBody>
+                        <a:bodyPr/>
+                        <a:lstStyle/>
+                        <a:p>
+                          <a:pPr algn="ctr"/>
+                          <a14:m>
+                            <m:oMathPara xmlns:m="http://schemas.openxmlformats.org/officeDocument/2006/math">
+                              <m:oMathParaPr>
+                                <m:jc m:val="centerGroup"/>
+                              </m:oMathParaPr>
+                              <m:oMath xmlns:m="http://schemas.openxmlformats.org/officeDocument/2006/math">
+                                <m:r>
+                                  <a:rPr lang="en-GB" b="0" smtClean="0">
+                                    <a:latin typeface="Cambria Math" panose="02040503050406030204" pitchFamily="18" charset="0"/>
+                                  </a:rPr>
+                                  <m:t>1.15</m:t>
+                                </m:r>
+                              </m:oMath>
+                            </m:oMathPara>
+                          </a14:m>
+                          <a:endParaRPr lang="en-GB" dirty="0"/>
+                        </a:p>
+                      </a:txBody>
+                      <a:tcPr/>
+                    </a:tc>
+                    <a:extLst>
+                      <a:ext uri="{0D108BD9-81ED-4DB2-BD59-A6C34878D82A}">
+                        <a16:rowId xmlns:a16="http://schemas.microsoft.com/office/drawing/2014/main" val="413464360"/>
+                      </a:ext>
+                    </a:extLst>
+                  </a:tr>
+                  <a:tr h="370840">
+                    <a:tc>
+                      <a:txBody>
+                        <a:bodyPr/>
+                        <a:lstStyle/>
+                        <a:p>
+                          <a:pPr algn="ctr"/>
+                          <a14:m>
+                            <m:oMathPara xmlns:m="http://schemas.openxmlformats.org/officeDocument/2006/math">
+                              <m:oMathParaPr>
+                                <m:jc m:val="centerGroup"/>
+                              </m:oMathParaPr>
+                              <m:oMath xmlns:m="http://schemas.openxmlformats.org/officeDocument/2006/math">
+                                <m:d>
+                                  <m:dPr>
+                                    <m:begChr m:val="⟨"/>
+                                    <m:endChr m:val="⟩"/>
+                                    <m:ctrlPr>
+                                      <a:rPr lang="en-GB" i="1" smtClean="0">
+                                        <a:latin typeface="Cambria Math" panose="02040503050406030204" pitchFamily="18" charset="0"/>
+                                      </a:rPr>
+                                    </m:ctrlPr>
+                                  </m:dPr>
+                                  <m:e>
+                                    <m:r>
+                                      <a:rPr lang="en-GB" b="0" smtClean="0">
+                                        <a:latin typeface="Cambria Math" panose="02040503050406030204" pitchFamily="18" charset="0"/>
+                                      </a:rPr>
+                                      <m:t>𝑑</m:t>
+                                    </m:r>
+                                  </m:e>
+                                </m:d>
+                              </m:oMath>
+                            </m:oMathPara>
+                          </a14:m>
+                          <a:endParaRPr lang="en-GB" dirty="0"/>
+                        </a:p>
+                      </a:txBody>
+                      <a:tcPr/>
+                    </a:tc>
+                    <a:tc>
+                      <a:txBody>
+                        <a:bodyPr/>
+                        <a:lstStyle/>
+                        <a:p>
+                          <a:pPr algn="ctr"/>
+                          <a14:m>
+                            <m:oMathPara xmlns:m="http://schemas.openxmlformats.org/officeDocument/2006/math">
+                              <m:oMathParaPr>
+                                <m:jc m:val="centerGroup"/>
+                              </m:oMathParaPr>
+                              <m:oMath xmlns:m="http://schemas.openxmlformats.org/officeDocument/2006/math">
+                                <m:r>
+                                  <a:rPr lang="en-GB" b="0" smtClean="0">
+                                    <a:latin typeface="Cambria Math" panose="02040503050406030204" pitchFamily="18" charset="0"/>
+                                  </a:rPr>
+                                  <m:t>20.37</m:t>
+                                </m:r>
+                              </m:oMath>
+                            </m:oMathPara>
+                          </a14:m>
+                          <a:endParaRPr lang="en-GB" dirty="0"/>
+                        </a:p>
+                      </a:txBody>
+                      <a:tcPr/>
+                    </a:tc>
+                    <a:tc>
+                      <a:txBody>
+                        <a:bodyPr/>
+                        <a:lstStyle/>
+                        <a:p>
+                          <a:pPr algn="ctr"/>
+                          <a14:m>
+                            <m:oMathPara xmlns:m="http://schemas.openxmlformats.org/officeDocument/2006/math">
+                              <m:oMathParaPr>
+                                <m:jc m:val="centerGroup"/>
+                              </m:oMathParaPr>
+                              <m:oMath xmlns:m="http://schemas.openxmlformats.org/officeDocument/2006/math">
+                                <m:r>
+                                  <a:rPr lang="en-GB" b="0" smtClean="0">
+                                    <a:latin typeface="Cambria Math" panose="02040503050406030204" pitchFamily="18" charset="0"/>
+                                  </a:rPr>
+                                  <m:t>0.51</m:t>
+                                </m:r>
+                              </m:oMath>
+                            </m:oMathPara>
+                          </a14:m>
+                          <a:endParaRPr lang="en-GB" dirty="0"/>
+                        </a:p>
+                      </a:txBody>
+                      <a:tcPr/>
+                    </a:tc>
+                    <a:tc>
+                      <a:txBody>
+                        <a:bodyPr/>
+                        <a:lstStyle/>
+                        <a:p>
+                          <a:pPr algn="ctr"/>
+                          <a14:m>
+                            <m:oMathPara xmlns:m="http://schemas.openxmlformats.org/officeDocument/2006/math">
+                              <m:oMathParaPr>
+                                <m:jc m:val="centerGroup"/>
+                              </m:oMathParaPr>
+                              <m:oMath xmlns:m="http://schemas.openxmlformats.org/officeDocument/2006/math">
+                                <m:r>
+                                  <a:rPr lang="en-GB" b="0" smtClean="0">
+                                    <a:latin typeface="Cambria Math" panose="02040503050406030204" pitchFamily="18" charset="0"/>
+                                  </a:rPr>
+                                  <m:t>1.60</m:t>
+                                </m:r>
+                              </m:oMath>
+                            </m:oMathPara>
+                          </a14:m>
+                          <a:endParaRPr lang="en-GB" dirty="0"/>
+                        </a:p>
+                      </a:txBody>
+                      <a:tcPr/>
+                    </a:tc>
+                    <a:extLst>
+                      <a:ext uri="{0D108BD9-81ED-4DB2-BD59-A6C34878D82A}">
+                        <a16:rowId xmlns:a16="http://schemas.microsoft.com/office/drawing/2014/main" val="4038319002"/>
+                      </a:ext>
+                    </a:extLst>
+                  </a:tr>
+                </a:tbl>
+              </a:graphicData>
+            </a:graphic>
+          </p:graphicFrame>
+        </mc:Choice>
+        <mc:Fallback xmlns="">
+          <p:graphicFrame>
+            <p:nvGraphicFramePr>
+              <p:cNvPr id="3" name="Table 5">
+                <a:extLst>
+                  <a:ext uri="{FF2B5EF4-FFF2-40B4-BE49-F238E27FC236}">
+                    <a16:creationId xmlns:a16="http://schemas.microsoft.com/office/drawing/2014/main" id="{60C4259D-876D-406E-954A-F92D0175FC38}"/>
+                  </a:ext>
+                </a:extLst>
+              </p:cNvPr>
+              <p:cNvGraphicFramePr>
+                <a:graphicFrameLocks noGrp="1"/>
+              </p:cNvGraphicFramePr>
+              <p:nvPr/>
+            </p:nvGraphicFramePr>
+            <p:xfrm>
+              <a:off x="1292041" y="2120442"/>
+              <a:ext cx="5489104" cy="1874393"/>
+            </p:xfrm>
+            <a:graphic>
+              <a:graphicData uri="http://schemas.openxmlformats.org/drawingml/2006/table">
+                <a:tbl>
+                  <a:tblPr firstRow="1" bandRow="1">
+                    <a:tableStyleId>{5940675A-B579-460E-94D1-54222C63F5DA}</a:tableStyleId>
+                  </a:tblPr>
+                  <a:tblGrid>
+                    <a:gridCol w="1493104">
+                      <a:extLst>
+                        <a:ext uri="{9D8B030D-6E8A-4147-A177-3AD203B41FA5}">
+                          <a16:colId xmlns:a16="http://schemas.microsoft.com/office/drawing/2014/main" val="3265441774"/>
+                        </a:ext>
+                      </a:extLst>
+                    </a:gridCol>
+                    <a:gridCol w="1332000">
+                      <a:extLst>
+                        <a:ext uri="{9D8B030D-6E8A-4147-A177-3AD203B41FA5}">
+                          <a16:colId xmlns:a16="http://schemas.microsoft.com/office/drawing/2014/main" val="3912092554"/>
+                        </a:ext>
+                      </a:extLst>
+                    </a:gridCol>
+                    <a:gridCol w="1332000">
+                      <a:extLst>
+                        <a:ext uri="{9D8B030D-6E8A-4147-A177-3AD203B41FA5}">
+                          <a16:colId xmlns:a16="http://schemas.microsoft.com/office/drawing/2014/main" val="1555108187"/>
+                        </a:ext>
+                      </a:extLst>
+                    </a:gridCol>
+                    <a:gridCol w="1332000">
+                      <a:extLst>
+                        <a:ext uri="{9D8B030D-6E8A-4147-A177-3AD203B41FA5}">
+                          <a16:colId xmlns:a16="http://schemas.microsoft.com/office/drawing/2014/main" val="1534291088"/>
+                        </a:ext>
+                      </a:extLst>
+                    </a:gridCol>
+                  </a:tblGrid>
+                  <a:tr h="370840">
+                    <a:tc rowSpan="2">
+                      <a:txBody>
+                        <a:bodyPr/>
+                        <a:lstStyle/>
+                        <a:p>
+                          <a:pPr algn="ctr"/>
+                          <a:r>
+                            <a:rPr lang="en-GB" b="1" dirty="0"/>
+                            <a:t>IRAC Channel</a:t>
+                          </a:r>
+                        </a:p>
+                      </a:txBody>
+                      <a:tcPr anchor="ctr"/>
+                    </a:tc>
+                    <a:tc gridSpan="3">
+                      <a:txBody>
+                        <a:bodyPr/>
+                        <a:lstStyle/>
+                        <a:p>
+                          <a:pPr algn="ctr"/>
+                          <a:r>
+                            <a:rPr lang="en-GB" b="1" dirty="0"/>
+                            <a:t>Pal 5</a:t>
+                          </a:r>
+                        </a:p>
+                      </a:txBody>
+                      <a:tcPr anchor="ctr"/>
+                    </a:tc>
+                    <a:tc hMerge="1">
+                      <a:txBody>
+                        <a:bodyPr/>
+                        <a:lstStyle/>
+                        <a:p>
+                          <a:endParaRPr lang="en-GB" dirty="0"/>
+                        </a:p>
+                      </a:txBody>
+                      <a:tcPr/>
+                    </a:tc>
+                    <a:tc hMerge="1">
+                      <a:txBody>
+                        <a:bodyPr/>
+                        <a:lstStyle/>
+                        <a:p>
+                          <a:endParaRPr lang="en-GB" dirty="0"/>
+                        </a:p>
+                      </a:txBody>
+                      <a:tcPr/>
+                    </a:tc>
+                    <a:extLst>
+                      <a:ext uri="{0D108BD9-81ED-4DB2-BD59-A6C34878D82A}">
+                        <a16:rowId xmlns:a16="http://schemas.microsoft.com/office/drawing/2014/main" val="2231387695"/>
+                      </a:ext>
+                    </a:extLst>
+                  </a:tr>
+                  <a:tr h="391033">
+                    <a:tc vMerge="1">
+                      <a:txBody>
+                        <a:bodyPr/>
+                        <a:lstStyle/>
+                        <a:p>
+                          <a:endParaRPr lang="en-GB" dirty="0"/>
+                        </a:p>
+                      </a:txBody>
+                      <a:tcPr/>
+                    </a:tc>
+                    <a:tc>
+                      <a:txBody>
+                        <a:bodyPr/>
+                        <a:lstStyle/>
+                        <a:p>
+                          <a:endParaRPr lang="en-US"/>
+                        </a:p>
+                      </a:txBody>
+                      <a:tcPr>
+                        <a:blipFill>
+                          <a:blip r:embed="rId2"/>
+                          <a:stretch>
+                            <a:fillRect l="-112329" t="-100000" r="-200913" b="-284615"/>
+                          </a:stretch>
+                        </a:blipFill>
+                      </a:tcPr>
+                    </a:tc>
+                    <a:tc>
+                      <a:txBody>
+                        <a:bodyPr/>
+                        <a:lstStyle/>
+                        <a:p>
+                          <a:endParaRPr lang="en-US"/>
+                        </a:p>
+                      </a:txBody>
+                      <a:tcPr>
+                        <a:blipFill>
+                          <a:blip r:embed="rId2"/>
+                          <a:stretch>
+                            <a:fillRect l="-212329" t="-100000" r="-100913" b="-284615"/>
+                          </a:stretch>
+                        </a:blipFill>
+                      </a:tcPr>
+                    </a:tc>
+                    <a:tc>
+                      <a:txBody>
+                        <a:bodyPr/>
+                        <a:lstStyle/>
+                        <a:p>
+                          <a:endParaRPr lang="en-US"/>
+                        </a:p>
+                      </a:txBody>
+                      <a:tcPr>
+                        <a:blipFill>
+                          <a:blip r:embed="rId2"/>
+                          <a:stretch>
+                            <a:fillRect l="-312329" t="-100000" r="-913" b="-284615"/>
+                          </a:stretch>
+                        </a:blipFill>
+                      </a:tcPr>
+                    </a:tc>
+                    <a:extLst>
+                      <a:ext uri="{0D108BD9-81ED-4DB2-BD59-A6C34878D82A}">
+                        <a16:rowId xmlns:a16="http://schemas.microsoft.com/office/drawing/2014/main" val="1089275689"/>
+                      </a:ext>
+                    </a:extLst>
+                  </a:tr>
+                  <a:tr h="370840">
+                    <a:tc>
+                      <a:txBody>
+                        <a:bodyPr/>
+                        <a:lstStyle/>
+                        <a:p>
+                          <a:endParaRPr lang="en-US"/>
+                        </a:p>
+                      </a:txBody>
+                      <a:tcPr>
+                        <a:blipFill>
+                          <a:blip r:embed="rId2"/>
+                          <a:stretch>
+                            <a:fillRect l="-408" t="-213115" r="-268980" b="-203279"/>
+                          </a:stretch>
+                        </a:blipFill>
+                      </a:tcPr>
+                    </a:tc>
+                    <a:tc>
+                      <a:txBody>
+                        <a:bodyPr/>
+                        <a:lstStyle/>
+                        <a:p>
+                          <a:endParaRPr lang="en-US"/>
+                        </a:p>
+                      </a:txBody>
+                      <a:tcPr>
+                        <a:blipFill>
+                          <a:blip r:embed="rId2"/>
+                          <a:stretch>
+                            <a:fillRect l="-112329" t="-213115" r="-200913" b="-203279"/>
+                          </a:stretch>
+                        </a:blipFill>
+                      </a:tcPr>
+                    </a:tc>
+                    <a:tc>
+                      <a:txBody>
+                        <a:bodyPr/>
+                        <a:lstStyle/>
+                        <a:p>
+                          <a:endParaRPr lang="en-US"/>
+                        </a:p>
+                      </a:txBody>
+                      <a:tcPr>
+                        <a:blipFill>
+                          <a:blip r:embed="rId2"/>
+                          <a:stretch>
+                            <a:fillRect l="-212329" t="-213115" r="-100913" b="-203279"/>
+                          </a:stretch>
+                        </a:blipFill>
+                      </a:tcPr>
+                    </a:tc>
+                    <a:tc>
+                      <a:txBody>
+                        <a:bodyPr/>
+                        <a:lstStyle/>
+                        <a:p>
+                          <a:endParaRPr lang="en-US"/>
+                        </a:p>
+                      </a:txBody>
+                      <a:tcPr>
+                        <a:blipFill>
+                          <a:blip r:embed="rId2"/>
+                          <a:stretch>
+                            <a:fillRect l="-312329" t="-213115" r="-913" b="-203279"/>
+                          </a:stretch>
+                        </a:blipFill>
+                      </a:tcPr>
+                    </a:tc>
+                    <a:extLst>
+                      <a:ext uri="{0D108BD9-81ED-4DB2-BD59-A6C34878D82A}">
+                        <a16:rowId xmlns:a16="http://schemas.microsoft.com/office/drawing/2014/main" val="3126510242"/>
+                      </a:ext>
+                    </a:extLst>
+                  </a:tr>
+                  <a:tr h="370840">
+                    <a:tc>
+                      <a:txBody>
+                        <a:bodyPr/>
+                        <a:lstStyle/>
+                        <a:p>
+                          <a:endParaRPr lang="en-US"/>
+                        </a:p>
+                      </a:txBody>
+                      <a:tcPr>
+                        <a:blipFill>
+                          <a:blip r:embed="rId2"/>
+                          <a:stretch>
+                            <a:fillRect l="-408" t="-313115" r="-268980" b="-103279"/>
+                          </a:stretch>
+                        </a:blipFill>
+                      </a:tcPr>
+                    </a:tc>
+                    <a:tc>
+                      <a:txBody>
+                        <a:bodyPr/>
+                        <a:lstStyle/>
+                        <a:p>
+                          <a:endParaRPr lang="en-US"/>
+                        </a:p>
+                      </a:txBody>
+                      <a:tcPr>
+                        <a:blipFill>
+                          <a:blip r:embed="rId2"/>
+                          <a:stretch>
+                            <a:fillRect l="-112329" t="-313115" r="-200913" b="-103279"/>
+                          </a:stretch>
+                        </a:blipFill>
+                      </a:tcPr>
+                    </a:tc>
+                    <a:tc>
+                      <a:txBody>
+                        <a:bodyPr/>
+                        <a:lstStyle/>
+                        <a:p>
+                          <a:endParaRPr lang="en-US"/>
+                        </a:p>
+                      </a:txBody>
+                      <a:tcPr>
+                        <a:blipFill>
+                          <a:blip r:embed="rId2"/>
+                          <a:stretch>
+                            <a:fillRect l="-212329" t="-313115" r="-100913" b="-103279"/>
+                          </a:stretch>
+                        </a:blipFill>
+                      </a:tcPr>
+                    </a:tc>
+                    <a:tc>
+                      <a:txBody>
+                        <a:bodyPr/>
+                        <a:lstStyle/>
+                        <a:p>
+                          <a:endParaRPr lang="en-US"/>
+                        </a:p>
+                      </a:txBody>
+                      <a:tcPr>
+                        <a:blipFill>
+                          <a:blip r:embed="rId2"/>
+                          <a:stretch>
+                            <a:fillRect l="-312329" t="-313115" r="-913" b="-103279"/>
+                          </a:stretch>
+                        </a:blipFill>
+                      </a:tcPr>
+                    </a:tc>
+                    <a:extLst>
+                      <a:ext uri="{0D108BD9-81ED-4DB2-BD59-A6C34878D82A}">
+                        <a16:rowId xmlns:a16="http://schemas.microsoft.com/office/drawing/2014/main" val="413464360"/>
+                      </a:ext>
+                    </a:extLst>
+                  </a:tr>
+                  <a:tr h="370840">
+                    <a:tc>
+                      <a:txBody>
+                        <a:bodyPr/>
+                        <a:lstStyle/>
+                        <a:p>
+                          <a:endParaRPr lang="en-US"/>
+                        </a:p>
+                      </a:txBody>
+                      <a:tcPr>
+                        <a:blipFill>
+                          <a:blip r:embed="rId2"/>
+                          <a:stretch>
+                            <a:fillRect l="-408" t="-413115" r="-268980" b="-3279"/>
+                          </a:stretch>
+                        </a:blipFill>
+                      </a:tcPr>
+                    </a:tc>
+                    <a:tc>
+                      <a:txBody>
+                        <a:bodyPr/>
+                        <a:lstStyle/>
+                        <a:p>
+                          <a:endParaRPr lang="en-US"/>
+                        </a:p>
+                      </a:txBody>
+                      <a:tcPr>
+                        <a:blipFill>
+                          <a:blip r:embed="rId2"/>
+                          <a:stretch>
+                            <a:fillRect l="-112329" t="-413115" r="-200913" b="-3279"/>
+                          </a:stretch>
+                        </a:blipFill>
+                      </a:tcPr>
+                    </a:tc>
+                    <a:tc>
+                      <a:txBody>
+                        <a:bodyPr/>
+                        <a:lstStyle/>
+                        <a:p>
+                          <a:endParaRPr lang="en-US"/>
+                        </a:p>
+                      </a:txBody>
+                      <a:tcPr>
+                        <a:blipFill>
+                          <a:blip r:embed="rId2"/>
+                          <a:stretch>
+                            <a:fillRect l="-212329" t="-413115" r="-100913" b="-3279"/>
+                          </a:stretch>
+                        </a:blipFill>
+                      </a:tcPr>
+                    </a:tc>
+                    <a:tc>
+                      <a:txBody>
+                        <a:bodyPr/>
+                        <a:lstStyle/>
+                        <a:p>
+                          <a:endParaRPr lang="en-US"/>
+                        </a:p>
+                      </a:txBody>
+                      <a:tcPr>
+                        <a:blipFill>
+                          <a:blip r:embed="rId2"/>
+                          <a:stretch>
+                            <a:fillRect l="-312329" t="-413115" r="-913" b="-3279"/>
+                          </a:stretch>
+                        </a:blipFill>
+                      </a:tcPr>
+                    </a:tc>
+                    <a:extLst>
+                      <a:ext uri="{0D108BD9-81ED-4DB2-BD59-A6C34878D82A}">
+                        <a16:rowId xmlns:a16="http://schemas.microsoft.com/office/drawing/2014/main" val="4038319002"/>
+                      </a:ext>
+                    </a:extLst>
+                  </a:tr>
+                </a:tbl>
+              </a:graphicData>
+            </a:graphic>
+          </p:graphicFrame>
+        </mc:Fallback>
+      </mc:AlternateContent>
+      <mc:AlternateContent xmlns:mc="http://schemas.openxmlformats.org/markup-compatibility/2006" xmlns:a14="http://schemas.microsoft.com/office/drawing/2010/main">
+        <mc:Choice Requires="a14">
+          <p:graphicFrame>
+            <p:nvGraphicFramePr>
+              <p:cNvPr id="6" name="Table 6">
+                <a:extLst>
+                  <a:ext uri="{FF2B5EF4-FFF2-40B4-BE49-F238E27FC236}">
+                    <a16:creationId xmlns:a16="http://schemas.microsoft.com/office/drawing/2014/main" id="{FF0042D9-BEEC-4EC4-9EBA-7A37B96A7C5E}"/>
+                  </a:ext>
+                </a:extLst>
+              </p:cNvPr>
+              <p:cNvGraphicFramePr>
+                <a:graphicFrameLocks noGrp="1"/>
+              </p:cNvGraphicFramePr>
+              <p:nvPr/>
+            </p:nvGraphicFramePr>
+            <p:xfrm>
+              <a:off x="6998283" y="2120442"/>
+              <a:ext cx="3996000" cy="1874393"/>
+            </p:xfrm>
+            <a:graphic>
+              <a:graphicData uri="http://schemas.openxmlformats.org/drawingml/2006/table">
+                <a:tbl>
+                  <a:tblPr firstRow="1" bandRow="1">
+                    <a:tableStyleId>{5940675A-B579-460E-94D1-54222C63F5DA}</a:tableStyleId>
+                  </a:tblPr>
+                  <a:tblGrid>
+                    <a:gridCol w="1332000">
+                      <a:extLst>
+                        <a:ext uri="{9D8B030D-6E8A-4147-A177-3AD203B41FA5}">
+                          <a16:colId xmlns:a16="http://schemas.microsoft.com/office/drawing/2014/main" val="804346260"/>
+                        </a:ext>
+                      </a:extLst>
+                    </a:gridCol>
+                    <a:gridCol w="1332000">
+                      <a:extLst>
+                        <a:ext uri="{9D8B030D-6E8A-4147-A177-3AD203B41FA5}">
+                          <a16:colId xmlns:a16="http://schemas.microsoft.com/office/drawing/2014/main" val="2752998048"/>
+                        </a:ext>
+                      </a:extLst>
+                    </a:gridCol>
+                    <a:gridCol w="1332000">
+                      <a:extLst>
+                        <a:ext uri="{9D8B030D-6E8A-4147-A177-3AD203B41FA5}">
+                          <a16:colId xmlns:a16="http://schemas.microsoft.com/office/drawing/2014/main" val="1725742071"/>
+                        </a:ext>
+                      </a:extLst>
+                    </a:gridCol>
+                  </a:tblGrid>
+                  <a:tr h="370840">
+                    <a:tc gridSpan="3">
+                      <a:txBody>
+                        <a:bodyPr/>
+                        <a:lstStyle/>
+                        <a:p>
+                          <a:pPr algn="ctr"/>
+                          <a:r>
+                            <a:rPr lang="en-GB" b="1" dirty="0"/>
+                            <a:t>Pal 13</a:t>
+                          </a:r>
+                        </a:p>
+                      </a:txBody>
+                      <a:tcPr anchor="ctr"/>
+                    </a:tc>
+                    <a:tc hMerge="1">
+                      <a:txBody>
+                        <a:bodyPr/>
+                        <a:lstStyle/>
+                        <a:p>
+                          <a:endParaRPr lang="en-GB" dirty="0"/>
+                        </a:p>
+                      </a:txBody>
+                      <a:tcPr/>
+                    </a:tc>
+                    <a:tc hMerge="1">
+                      <a:txBody>
+                        <a:bodyPr/>
+                        <a:lstStyle/>
+                        <a:p>
+                          <a:endParaRPr lang="en-GB" dirty="0"/>
+                        </a:p>
+                      </a:txBody>
+                      <a:tcPr/>
+                    </a:tc>
+                    <a:extLst>
+                      <a:ext uri="{0D108BD9-81ED-4DB2-BD59-A6C34878D82A}">
+                        <a16:rowId xmlns:a16="http://schemas.microsoft.com/office/drawing/2014/main" val="3071515871"/>
+                      </a:ext>
+                    </a:extLst>
+                  </a:tr>
+                  <a:tr h="370840">
+                    <a:tc>
+                      <a:txBody>
+                        <a:bodyPr/>
+                        <a:lstStyle/>
+                        <a:p>
+                          <a:pPr algn="ctr"/>
+                          <a14:m>
+                            <m:oMath xmlns:m="http://schemas.openxmlformats.org/officeDocument/2006/math">
+                              <m:r>
+                                <a:rPr lang="en-GB" b="0" i="1" smtClean="0">
+                                  <a:latin typeface="Cambria Math" panose="02040503050406030204" pitchFamily="18" charset="0"/>
+                                </a:rPr>
+                                <m:t>𝑑</m:t>
+                              </m:r>
+                            </m:oMath>
+                          </a14:m>
+                          <a:r>
+                            <a:rPr lang="en-GB" b="0" dirty="0"/>
+                            <a:t> </a:t>
+                          </a:r>
+                          <a14:m>
+                            <m:oMath xmlns:m="http://schemas.openxmlformats.org/officeDocument/2006/math">
+                              <m:r>
+                                <a:rPr lang="en-GB" b="0" dirty="0" smtClean="0">
+                                  <a:latin typeface="Cambria Math" panose="02040503050406030204" pitchFamily="18" charset="0"/>
+                                </a:rPr>
+                                <m:t>(</m:t>
+                              </m:r>
+                              <m:r>
+                                <m:rPr>
+                                  <m:sty m:val="p"/>
+                                </m:rPr>
+                                <a:rPr lang="en-GB" b="0" i="0" dirty="0" smtClean="0">
+                                  <a:latin typeface="Cambria Math" panose="02040503050406030204" pitchFamily="18" charset="0"/>
+                                </a:rPr>
+                                <m:t>kpc</m:t>
+                              </m:r>
+                              <m:r>
+                                <a:rPr lang="en-GB" b="0" dirty="0" smtClean="0">
+                                  <a:latin typeface="Cambria Math" panose="02040503050406030204" pitchFamily="18" charset="0"/>
+                                </a:rPr>
+                                <m:t>)</m:t>
+                              </m:r>
+                            </m:oMath>
+                          </a14:m>
+                          <a:endParaRPr lang="en-GB" b="0" dirty="0"/>
+                        </a:p>
+                      </a:txBody>
+                      <a:tcPr/>
+                    </a:tc>
+                    <a:tc>
+                      <a:txBody>
+                        <a:bodyPr/>
+                        <a:lstStyle/>
+                        <a:p>
+                          <a:pPr algn="ctr"/>
+                          <a14:m>
+                            <m:oMathPara xmlns:m="http://schemas.openxmlformats.org/officeDocument/2006/math">
+                              <m:oMathParaPr>
+                                <m:jc m:val="centerGroup"/>
+                              </m:oMathParaPr>
+                              <m:oMath xmlns:m="http://schemas.openxmlformats.org/officeDocument/2006/math">
+                                <m:r>
+                                  <a:rPr lang="en-GB" b="0" smtClean="0">
+                                    <a:latin typeface="Cambria Math" panose="02040503050406030204" pitchFamily="18" charset="0"/>
+                                  </a:rPr>
+                                  <m:t>±</m:t>
+                                </m:r>
+                                <m:sSub>
+                                  <m:sSubPr>
+                                    <m:ctrlPr>
+                                      <a:rPr lang="en-GB" b="0" i="1" smtClean="0">
+                                        <a:latin typeface="Cambria Math" panose="02040503050406030204" pitchFamily="18" charset="0"/>
+                                      </a:rPr>
+                                    </m:ctrlPr>
+                                  </m:sSubPr>
+                                  <m:e>
+                                    <m:r>
+                                      <a:rPr lang="en-GB" b="0" i="1" smtClean="0">
+                                        <a:latin typeface="Cambria Math" panose="02040503050406030204" pitchFamily="18" charset="0"/>
+                                      </a:rPr>
+                                      <m:t>𝜎</m:t>
+                                    </m:r>
+                                  </m:e>
+                                  <m:sub>
+                                    <m:r>
+                                      <m:rPr>
+                                        <m:sty m:val="p"/>
+                                      </m:rPr>
+                                      <a:rPr lang="en-GB" b="0" i="0" smtClean="0">
+                                        <a:latin typeface="Cambria Math" panose="02040503050406030204" pitchFamily="18" charset="0"/>
+                                      </a:rPr>
+                                      <m:t>rand</m:t>
+                                    </m:r>
+                                  </m:sub>
+                                </m:sSub>
+                              </m:oMath>
+                            </m:oMathPara>
+                          </a14:m>
+                          <a:endParaRPr lang="en-GB" b="0" dirty="0"/>
+                        </a:p>
+                      </a:txBody>
+                      <a:tcPr/>
+                    </a:tc>
+                    <a:tc>
+                      <a:txBody>
+                        <a:bodyPr/>
+                        <a:lstStyle/>
+                        <a:p>
+                          <a:pPr marL="0" marR="0" lvl="0" indent="0" algn="ctr" defTabSz="914400" rtl="0" eaLnBrk="1" fontAlgn="auto" latinLnBrk="0" hangingPunct="1">
+                            <a:lnSpc>
+                              <a:spcPct val="100000"/>
+                            </a:lnSpc>
+                            <a:spcBef>
+                              <a:spcPts val="0"/>
+                            </a:spcBef>
+                            <a:spcAft>
+                              <a:spcPts val="0"/>
+                            </a:spcAft>
+                            <a:buClrTx/>
+                            <a:buSzTx/>
+                            <a:buFontTx/>
+                            <a:buNone/>
+                            <a:tabLst/>
+                            <a:defRPr/>
+                          </a:pPr>
+                          <a14:m>
+                            <m:oMathPara xmlns:m="http://schemas.openxmlformats.org/officeDocument/2006/math">
+                              <m:oMathParaPr>
+                                <m:jc m:val="centerGroup"/>
+                              </m:oMathParaPr>
+                              <m:oMath xmlns:m="http://schemas.openxmlformats.org/officeDocument/2006/math">
+                                <m:r>
+                                  <a:rPr lang="en-GB" b="0" smtClean="0">
+                                    <a:latin typeface="Cambria Math" panose="02040503050406030204" pitchFamily="18" charset="0"/>
+                                  </a:rPr>
+                                  <m:t>±</m:t>
+                                </m:r>
+                                <m:sSub>
+                                  <m:sSubPr>
+                                    <m:ctrlPr>
+                                      <a:rPr lang="en-GB" b="0" i="1" smtClean="0">
+                                        <a:latin typeface="Cambria Math" panose="02040503050406030204" pitchFamily="18" charset="0"/>
+                                      </a:rPr>
+                                    </m:ctrlPr>
+                                  </m:sSubPr>
+                                  <m:e>
+                                    <m:r>
+                                      <a:rPr lang="en-GB" b="0" i="1" smtClean="0">
+                                        <a:latin typeface="Cambria Math" panose="02040503050406030204" pitchFamily="18" charset="0"/>
+                                      </a:rPr>
+                                      <m:t>𝜎</m:t>
+                                    </m:r>
+                                  </m:e>
+                                  <m:sub>
+                                    <m:r>
+                                      <m:rPr>
+                                        <m:sty m:val="p"/>
+                                      </m:rPr>
+                                      <a:rPr lang="en-GB" b="0" i="0" smtClean="0">
+                                        <a:latin typeface="Cambria Math" panose="02040503050406030204" pitchFamily="18" charset="0"/>
+                                      </a:rPr>
+                                      <m:t>sys</m:t>
+                                    </m:r>
+                                  </m:sub>
+                                </m:sSub>
+                              </m:oMath>
+                            </m:oMathPara>
+                          </a14:m>
+                          <a:endParaRPr lang="en-GB" b="0" dirty="0"/>
+                        </a:p>
+                      </a:txBody>
+                      <a:tcPr/>
+                    </a:tc>
+                    <a:extLst>
+                      <a:ext uri="{0D108BD9-81ED-4DB2-BD59-A6C34878D82A}">
+                        <a16:rowId xmlns:a16="http://schemas.microsoft.com/office/drawing/2014/main" val="3301879322"/>
+                      </a:ext>
+                    </a:extLst>
+                  </a:tr>
+                  <a:tr h="370840">
+                    <a:tc>
+                      <a:txBody>
+                        <a:bodyPr/>
+                        <a:lstStyle/>
+                        <a:p>
+                          <a:pPr algn="ctr"/>
+                          <a14:m>
+                            <m:oMathPara xmlns:m="http://schemas.openxmlformats.org/officeDocument/2006/math">
+                              <m:oMathParaPr>
+                                <m:jc m:val="centerGroup"/>
+                              </m:oMathParaPr>
+                              <m:oMath xmlns:m="http://schemas.openxmlformats.org/officeDocument/2006/math">
+                                <m:r>
+                                  <a:rPr lang="en-GB" b="0" smtClean="0">
+                                    <a:latin typeface="Cambria Math" panose="02040503050406030204" pitchFamily="18" charset="0"/>
+                                  </a:rPr>
+                                  <m:t>23.80</m:t>
+                                </m:r>
+                              </m:oMath>
+                            </m:oMathPara>
+                          </a14:m>
+                          <a:endParaRPr lang="en-GB" dirty="0"/>
+                        </a:p>
+                      </a:txBody>
+                      <a:tcPr/>
+                    </a:tc>
+                    <a:tc>
+                      <a:txBody>
+                        <a:bodyPr/>
+                        <a:lstStyle/>
+                        <a:p>
+                          <a:pPr algn="ctr"/>
+                          <a14:m>
+                            <m:oMathPara xmlns:m="http://schemas.openxmlformats.org/officeDocument/2006/math">
+                              <m:oMathParaPr>
+                                <m:jc m:val="centerGroup"/>
+                              </m:oMathParaPr>
+                              <m:oMath xmlns:m="http://schemas.openxmlformats.org/officeDocument/2006/math">
+                                <m:r>
+                                  <a:rPr lang="en-GB" b="0" smtClean="0">
+                                    <a:latin typeface="Cambria Math" panose="02040503050406030204" pitchFamily="18" charset="0"/>
+                                  </a:rPr>
+                                  <m:t>0.38</m:t>
+                                </m:r>
+                              </m:oMath>
+                            </m:oMathPara>
+                          </a14:m>
+                          <a:endParaRPr lang="en-GB" dirty="0"/>
+                        </a:p>
+                      </a:txBody>
+                      <a:tcPr/>
+                    </a:tc>
+                    <a:tc>
+                      <a:txBody>
+                        <a:bodyPr/>
+                        <a:lstStyle/>
+                        <a:p>
+                          <a:pPr algn="ctr"/>
+                          <a14:m>
+                            <m:oMathPara xmlns:m="http://schemas.openxmlformats.org/officeDocument/2006/math">
+                              <m:oMathParaPr>
+                                <m:jc m:val="centerGroup"/>
+                              </m:oMathParaPr>
+                              <m:oMath xmlns:m="http://schemas.openxmlformats.org/officeDocument/2006/math">
+                                <m:r>
+                                  <a:rPr lang="en-GB" b="0" smtClean="0">
+                                    <a:latin typeface="Cambria Math" panose="02040503050406030204" pitchFamily="18" charset="0"/>
+                                  </a:rPr>
+                                  <m:t>1.32</m:t>
+                                </m:r>
+                              </m:oMath>
+                            </m:oMathPara>
+                          </a14:m>
+                          <a:endParaRPr lang="en-GB" dirty="0"/>
+                        </a:p>
+                      </a:txBody>
+                      <a:tcPr/>
+                    </a:tc>
+                    <a:extLst>
+                      <a:ext uri="{0D108BD9-81ED-4DB2-BD59-A6C34878D82A}">
+                        <a16:rowId xmlns:a16="http://schemas.microsoft.com/office/drawing/2014/main" val="562857151"/>
+                      </a:ext>
+                    </a:extLst>
+                  </a:tr>
+                  <a:tr h="370840">
+                    <a:tc>
+                      <a:txBody>
+                        <a:bodyPr/>
+                        <a:lstStyle/>
+                        <a:p>
+                          <a:pPr algn="ctr"/>
+                          <a14:m>
+                            <m:oMathPara xmlns:m="http://schemas.openxmlformats.org/officeDocument/2006/math">
+                              <m:oMathParaPr>
+                                <m:jc m:val="centerGroup"/>
+                              </m:oMathParaPr>
+                              <m:oMath xmlns:m="http://schemas.openxmlformats.org/officeDocument/2006/math">
+                                <m:r>
+                                  <a:rPr lang="en-GB" b="0" smtClean="0">
+                                    <a:latin typeface="Cambria Math" panose="02040503050406030204" pitchFamily="18" charset="0"/>
+                                  </a:rPr>
+                                  <m:t>24.69</m:t>
+                                </m:r>
+                              </m:oMath>
+                            </m:oMathPara>
+                          </a14:m>
+                          <a:endParaRPr lang="en-GB" dirty="0"/>
+                        </a:p>
+                      </a:txBody>
+                      <a:tcPr/>
+                    </a:tc>
+                    <a:tc>
+                      <a:txBody>
+                        <a:bodyPr/>
+                        <a:lstStyle/>
+                        <a:p>
+                          <a:pPr algn="ctr"/>
+                          <a14:m>
+                            <m:oMathPara xmlns:m="http://schemas.openxmlformats.org/officeDocument/2006/math">
+                              <m:oMathParaPr>
+                                <m:jc m:val="centerGroup"/>
+                              </m:oMathParaPr>
+                              <m:oMath xmlns:m="http://schemas.openxmlformats.org/officeDocument/2006/math">
+                                <m:r>
+                                  <a:rPr lang="en-GB" b="0" smtClean="0">
+                                    <a:latin typeface="Cambria Math" panose="02040503050406030204" pitchFamily="18" charset="0"/>
+                                  </a:rPr>
+                                  <m:t>0.49</m:t>
+                                </m:r>
+                              </m:oMath>
+                            </m:oMathPara>
+                          </a14:m>
+                          <a:endParaRPr lang="en-GB" dirty="0"/>
+                        </a:p>
+                      </a:txBody>
+                      <a:tcPr/>
+                    </a:tc>
+                    <a:tc>
+                      <a:txBody>
+                        <a:bodyPr/>
+                        <a:lstStyle/>
+                        <a:p>
+                          <a:pPr algn="ctr"/>
+                          <a14:m>
+                            <m:oMathPara xmlns:m="http://schemas.openxmlformats.org/officeDocument/2006/math">
+                              <m:oMathParaPr>
+                                <m:jc m:val="centerGroup"/>
+                              </m:oMathParaPr>
+                              <m:oMath xmlns:m="http://schemas.openxmlformats.org/officeDocument/2006/math">
+                                <m:r>
+                                  <a:rPr lang="en-GB" b="0" smtClean="0">
+                                    <a:latin typeface="Cambria Math" panose="02040503050406030204" pitchFamily="18" charset="0"/>
+                                  </a:rPr>
+                                  <m:t>1.37</m:t>
+                                </m:r>
+                              </m:oMath>
+                            </m:oMathPara>
+                          </a14:m>
+                          <a:endParaRPr lang="en-GB" dirty="0"/>
+                        </a:p>
+                      </a:txBody>
+                      <a:tcPr/>
+                    </a:tc>
+                    <a:extLst>
+                      <a:ext uri="{0D108BD9-81ED-4DB2-BD59-A6C34878D82A}">
+                        <a16:rowId xmlns:a16="http://schemas.microsoft.com/office/drawing/2014/main" val="3279751285"/>
+                      </a:ext>
+                    </a:extLst>
+                  </a:tr>
+                  <a:tr h="370840">
+                    <a:tc>
+                      <a:txBody>
+                        <a:bodyPr/>
+                        <a:lstStyle/>
+                        <a:p>
+                          <a:pPr algn="ctr"/>
+                          <a14:m>
+                            <m:oMathPara xmlns:m="http://schemas.openxmlformats.org/officeDocument/2006/math">
+                              <m:oMathParaPr>
+                                <m:jc m:val="centerGroup"/>
+                              </m:oMathParaPr>
+                              <m:oMath xmlns:m="http://schemas.openxmlformats.org/officeDocument/2006/math">
+                                <m:r>
+                                  <a:rPr lang="en-GB" b="0" smtClean="0">
+                                    <a:latin typeface="Cambria Math" panose="02040503050406030204" pitchFamily="18" charset="0"/>
+                                  </a:rPr>
+                                  <m:t>24.23</m:t>
+                                </m:r>
+                              </m:oMath>
+                            </m:oMathPara>
+                          </a14:m>
+                          <a:endParaRPr lang="en-GB" dirty="0"/>
+                        </a:p>
+                      </a:txBody>
+                      <a:tcPr/>
+                    </a:tc>
+                    <a:tc>
+                      <a:txBody>
+                        <a:bodyPr/>
+                        <a:lstStyle/>
+                        <a:p>
+                          <a:pPr algn="ctr"/>
+                          <a14:m>
+                            <m:oMathPara xmlns:m="http://schemas.openxmlformats.org/officeDocument/2006/math">
+                              <m:oMathParaPr>
+                                <m:jc m:val="centerGroup"/>
+                              </m:oMathParaPr>
+                              <m:oMath xmlns:m="http://schemas.openxmlformats.org/officeDocument/2006/math">
+                                <m:r>
+                                  <a:rPr lang="en-GB" b="0" smtClean="0">
+                                    <a:latin typeface="Cambria Math" panose="02040503050406030204" pitchFamily="18" charset="0"/>
+                                  </a:rPr>
+                                  <m:t>0.62</m:t>
+                                </m:r>
+                              </m:oMath>
+                            </m:oMathPara>
+                          </a14:m>
+                          <a:endParaRPr lang="en-GB" dirty="0"/>
+                        </a:p>
+                      </a:txBody>
+                      <a:tcPr/>
+                    </a:tc>
+                    <a:tc>
+                      <a:txBody>
+                        <a:bodyPr/>
+                        <a:lstStyle/>
+                        <a:p>
+                          <a:pPr algn="ctr"/>
+                          <a14:m>
+                            <m:oMathPara xmlns:m="http://schemas.openxmlformats.org/officeDocument/2006/math">
+                              <m:oMathParaPr>
+                                <m:jc m:val="centerGroup"/>
+                              </m:oMathParaPr>
+                              <m:oMath xmlns:m="http://schemas.openxmlformats.org/officeDocument/2006/math">
+                                <m:r>
+                                  <a:rPr lang="en-GB" b="0" smtClean="0">
+                                    <a:latin typeface="Cambria Math" panose="02040503050406030204" pitchFamily="18" charset="0"/>
+                                  </a:rPr>
+                                  <m:t>1.90</m:t>
+                                </m:r>
+                              </m:oMath>
+                            </m:oMathPara>
+                          </a14:m>
+                          <a:endParaRPr lang="en-GB" dirty="0"/>
+                        </a:p>
+                      </a:txBody>
+                      <a:tcPr/>
+                    </a:tc>
+                    <a:extLst>
+                      <a:ext uri="{0D108BD9-81ED-4DB2-BD59-A6C34878D82A}">
+                        <a16:rowId xmlns:a16="http://schemas.microsoft.com/office/drawing/2014/main" val="3905184659"/>
+                      </a:ext>
+                    </a:extLst>
+                  </a:tr>
+                </a:tbl>
+              </a:graphicData>
+            </a:graphic>
+          </p:graphicFrame>
+        </mc:Choice>
+        <mc:Fallback xmlns="">
+          <p:graphicFrame>
+            <p:nvGraphicFramePr>
+              <p:cNvPr id="6" name="Table 6">
+                <a:extLst>
+                  <a:ext uri="{FF2B5EF4-FFF2-40B4-BE49-F238E27FC236}">
+                    <a16:creationId xmlns:a16="http://schemas.microsoft.com/office/drawing/2014/main" id="{FF0042D9-BEEC-4EC4-9EBA-7A37B96A7C5E}"/>
+                  </a:ext>
+                </a:extLst>
+              </p:cNvPr>
+              <p:cNvGraphicFramePr>
+                <a:graphicFrameLocks noGrp="1"/>
+              </p:cNvGraphicFramePr>
+              <p:nvPr/>
+            </p:nvGraphicFramePr>
+            <p:xfrm>
+              <a:off x="6998283" y="2120442"/>
+              <a:ext cx="3996000" cy="1874393"/>
+            </p:xfrm>
+            <a:graphic>
+              <a:graphicData uri="http://schemas.openxmlformats.org/drawingml/2006/table">
+                <a:tbl>
+                  <a:tblPr firstRow="1" bandRow="1">
+                    <a:tableStyleId>{5940675A-B579-460E-94D1-54222C63F5DA}</a:tableStyleId>
+                  </a:tblPr>
+                  <a:tblGrid>
+                    <a:gridCol w="1332000">
+                      <a:extLst>
+                        <a:ext uri="{9D8B030D-6E8A-4147-A177-3AD203B41FA5}">
+                          <a16:colId xmlns:a16="http://schemas.microsoft.com/office/drawing/2014/main" val="804346260"/>
+                        </a:ext>
+                      </a:extLst>
+                    </a:gridCol>
+                    <a:gridCol w="1332000">
+                      <a:extLst>
+                        <a:ext uri="{9D8B030D-6E8A-4147-A177-3AD203B41FA5}">
+                          <a16:colId xmlns:a16="http://schemas.microsoft.com/office/drawing/2014/main" val="2752998048"/>
+                        </a:ext>
+                      </a:extLst>
+                    </a:gridCol>
+                    <a:gridCol w="1332000">
+                      <a:extLst>
+                        <a:ext uri="{9D8B030D-6E8A-4147-A177-3AD203B41FA5}">
+                          <a16:colId xmlns:a16="http://schemas.microsoft.com/office/drawing/2014/main" val="1725742071"/>
+                        </a:ext>
+                      </a:extLst>
+                    </a:gridCol>
+                  </a:tblGrid>
+                  <a:tr h="370840">
+                    <a:tc gridSpan="3">
+                      <a:txBody>
+                        <a:bodyPr/>
+                        <a:lstStyle/>
+                        <a:p>
+                          <a:pPr algn="ctr"/>
+                          <a:r>
+                            <a:rPr lang="en-GB" b="1" dirty="0"/>
+                            <a:t>Pal 13</a:t>
+                          </a:r>
+                        </a:p>
+                      </a:txBody>
+                      <a:tcPr anchor="ctr"/>
+                    </a:tc>
+                    <a:tc hMerge="1">
+                      <a:txBody>
+                        <a:bodyPr/>
+                        <a:lstStyle/>
+                        <a:p>
+                          <a:endParaRPr lang="en-GB" dirty="0"/>
+                        </a:p>
+                      </a:txBody>
+                      <a:tcPr/>
+                    </a:tc>
+                    <a:tc hMerge="1">
+                      <a:txBody>
+                        <a:bodyPr/>
+                        <a:lstStyle/>
+                        <a:p>
+                          <a:endParaRPr lang="en-GB" dirty="0"/>
+                        </a:p>
+                      </a:txBody>
+                      <a:tcPr/>
+                    </a:tc>
+                    <a:extLst>
+                      <a:ext uri="{0D108BD9-81ED-4DB2-BD59-A6C34878D82A}">
+                        <a16:rowId xmlns:a16="http://schemas.microsoft.com/office/drawing/2014/main" val="3071515871"/>
+                      </a:ext>
+                    </a:extLst>
+                  </a:tr>
+                  <a:tr h="391033">
+                    <a:tc>
+                      <a:txBody>
+                        <a:bodyPr/>
+                        <a:lstStyle/>
+                        <a:p>
+                          <a:endParaRPr lang="en-US"/>
+                        </a:p>
+                      </a:txBody>
+                      <a:tcPr>
+                        <a:blipFill>
+                          <a:blip r:embed="rId3"/>
+                          <a:stretch>
+                            <a:fillRect l="-913" t="-100000" r="-200457" b="-284615"/>
+                          </a:stretch>
+                        </a:blipFill>
+                      </a:tcPr>
+                    </a:tc>
+                    <a:tc>
+                      <a:txBody>
+                        <a:bodyPr/>
+                        <a:lstStyle/>
+                        <a:p>
+                          <a:endParaRPr lang="en-US"/>
+                        </a:p>
+                      </a:txBody>
+                      <a:tcPr>
+                        <a:blipFill>
+                          <a:blip r:embed="rId3"/>
+                          <a:stretch>
+                            <a:fillRect l="-101376" t="-100000" r="-101376" b="-284615"/>
+                          </a:stretch>
+                        </a:blipFill>
+                      </a:tcPr>
+                    </a:tc>
+                    <a:tc>
+                      <a:txBody>
+                        <a:bodyPr/>
+                        <a:lstStyle/>
+                        <a:p>
+                          <a:endParaRPr lang="en-US"/>
+                        </a:p>
+                      </a:txBody>
+                      <a:tcPr>
+                        <a:blipFill>
+                          <a:blip r:embed="rId3"/>
+                          <a:stretch>
+                            <a:fillRect l="-200457" t="-100000" r="-913" b="-284615"/>
+                          </a:stretch>
+                        </a:blipFill>
+                      </a:tcPr>
+                    </a:tc>
+                    <a:extLst>
+                      <a:ext uri="{0D108BD9-81ED-4DB2-BD59-A6C34878D82A}">
+                        <a16:rowId xmlns:a16="http://schemas.microsoft.com/office/drawing/2014/main" val="3301879322"/>
+                      </a:ext>
+                    </a:extLst>
+                  </a:tr>
+                  <a:tr h="370840">
+                    <a:tc>
+                      <a:txBody>
+                        <a:bodyPr/>
+                        <a:lstStyle/>
+                        <a:p>
+                          <a:endParaRPr lang="en-US"/>
+                        </a:p>
+                      </a:txBody>
+                      <a:tcPr>
+                        <a:blipFill>
+                          <a:blip r:embed="rId3"/>
+                          <a:stretch>
+                            <a:fillRect l="-913" t="-213115" r="-200457" b="-203279"/>
+                          </a:stretch>
+                        </a:blipFill>
+                      </a:tcPr>
+                    </a:tc>
+                    <a:tc>
+                      <a:txBody>
+                        <a:bodyPr/>
+                        <a:lstStyle/>
+                        <a:p>
+                          <a:endParaRPr lang="en-US"/>
+                        </a:p>
+                      </a:txBody>
+                      <a:tcPr>
+                        <a:blipFill>
+                          <a:blip r:embed="rId3"/>
+                          <a:stretch>
+                            <a:fillRect l="-101376" t="-213115" r="-101376" b="-203279"/>
+                          </a:stretch>
+                        </a:blipFill>
+                      </a:tcPr>
+                    </a:tc>
+                    <a:tc>
+                      <a:txBody>
+                        <a:bodyPr/>
+                        <a:lstStyle/>
+                        <a:p>
+                          <a:endParaRPr lang="en-US"/>
+                        </a:p>
+                      </a:txBody>
+                      <a:tcPr>
+                        <a:blipFill>
+                          <a:blip r:embed="rId3"/>
+                          <a:stretch>
+                            <a:fillRect l="-200457" t="-213115" r="-913" b="-203279"/>
+                          </a:stretch>
+                        </a:blipFill>
+                      </a:tcPr>
+                    </a:tc>
+                    <a:extLst>
+                      <a:ext uri="{0D108BD9-81ED-4DB2-BD59-A6C34878D82A}">
+                        <a16:rowId xmlns:a16="http://schemas.microsoft.com/office/drawing/2014/main" val="562857151"/>
+                      </a:ext>
+                    </a:extLst>
+                  </a:tr>
+                  <a:tr h="370840">
+                    <a:tc>
+                      <a:txBody>
+                        <a:bodyPr/>
+                        <a:lstStyle/>
+                        <a:p>
+                          <a:endParaRPr lang="en-US"/>
+                        </a:p>
+                      </a:txBody>
+                      <a:tcPr>
+                        <a:blipFill>
+                          <a:blip r:embed="rId3"/>
+                          <a:stretch>
+                            <a:fillRect l="-913" t="-313115" r="-200457" b="-103279"/>
+                          </a:stretch>
+                        </a:blipFill>
+                      </a:tcPr>
+                    </a:tc>
+                    <a:tc>
+                      <a:txBody>
+                        <a:bodyPr/>
+                        <a:lstStyle/>
+                        <a:p>
+                          <a:endParaRPr lang="en-US"/>
+                        </a:p>
+                      </a:txBody>
+                      <a:tcPr>
+                        <a:blipFill>
+                          <a:blip r:embed="rId3"/>
+                          <a:stretch>
+                            <a:fillRect l="-101376" t="-313115" r="-101376" b="-103279"/>
+                          </a:stretch>
+                        </a:blipFill>
+                      </a:tcPr>
+                    </a:tc>
+                    <a:tc>
+                      <a:txBody>
+                        <a:bodyPr/>
+                        <a:lstStyle/>
+                        <a:p>
+                          <a:endParaRPr lang="en-US"/>
+                        </a:p>
+                      </a:txBody>
+                      <a:tcPr>
+                        <a:blipFill>
+                          <a:blip r:embed="rId3"/>
+                          <a:stretch>
+                            <a:fillRect l="-200457" t="-313115" r="-913" b="-103279"/>
+                          </a:stretch>
+                        </a:blipFill>
+                      </a:tcPr>
+                    </a:tc>
+                    <a:extLst>
+                      <a:ext uri="{0D108BD9-81ED-4DB2-BD59-A6C34878D82A}">
+                        <a16:rowId xmlns:a16="http://schemas.microsoft.com/office/drawing/2014/main" val="3279751285"/>
+                      </a:ext>
+                    </a:extLst>
+                  </a:tr>
+                  <a:tr h="370840">
+                    <a:tc>
+                      <a:txBody>
+                        <a:bodyPr/>
+                        <a:lstStyle/>
+                        <a:p>
+                          <a:endParaRPr lang="en-US"/>
+                        </a:p>
+                      </a:txBody>
+                      <a:tcPr>
+                        <a:blipFill>
+                          <a:blip r:embed="rId3"/>
+                          <a:stretch>
+                            <a:fillRect l="-913" t="-413115" r="-200457" b="-3279"/>
+                          </a:stretch>
+                        </a:blipFill>
+                      </a:tcPr>
+                    </a:tc>
+                    <a:tc>
+                      <a:txBody>
+                        <a:bodyPr/>
+                        <a:lstStyle/>
+                        <a:p>
+                          <a:endParaRPr lang="en-US"/>
+                        </a:p>
+                      </a:txBody>
+                      <a:tcPr>
+                        <a:blipFill>
+                          <a:blip r:embed="rId3"/>
+                          <a:stretch>
+                            <a:fillRect l="-101376" t="-413115" r="-101376" b="-3279"/>
+                          </a:stretch>
+                        </a:blipFill>
+                      </a:tcPr>
+                    </a:tc>
+                    <a:tc>
+                      <a:txBody>
+                        <a:bodyPr/>
+                        <a:lstStyle/>
+                        <a:p>
+                          <a:endParaRPr lang="en-US"/>
+                        </a:p>
+                      </a:txBody>
+                      <a:tcPr>
+                        <a:blipFill>
+                          <a:blip r:embed="rId3"/>
+                          <a:stretch>
+                            <a:fillRect l="-200457" t="-413115" r="-913" b="-3279"/>
+                          </a:stretch>
+                        </a:blipFill>
+                      </a:tcPr>
+                    </a:tc>
+                    <a:extLst>
+                      <a:ext uri="{0D108BD9-81ED-4DB2-BD59-A6C34878D82A}">
+                        <a16:rowId xmlns:a16="http://schemas.microsoft.com/office/drawing/2014/main" val="3905184659"/>
+                      </a:ext>
+                    </a:extLst>
+                  </a:tr>
+                </a:tbl>
+              </a:graphicData>
+            </a:graphic>
+          </p:graphicFrame>
+        </mc:Fallback>
+      </mc:AlternateContent>
+      <mc:AlternateContent xmlns:mc="http://schemas.openxmlformats.org/markup-compatibility/2006" xmlns:a14="http://schemas.microsoft.com/office/drawing/2010/main">
+        <mc:Choice Requires="a14">
+          <p:graphicFrame>
+            <p:nvGraphicFramePr>
+              <p:cNvPr id="7" name="Table 8">
+                <a:extLst>
+                  <a:ext uri="{FF2B5EF4-FFF2-40B4-BE49-F238E27FC236}">
+                    <a16:creationId xmlns:a16="http://schemas.microsoft.com/office/drawing/2014/main" id="{C033FC3D-5BEF-4894-8AFB-77E53B443C2F}"/>
+                  </a:ext>
+                </a:extLst>
+              </p:cNvPr>
+              <p:cNvGraphicFramePr>
+                <a:graphicFrameLocks noGrp="1"/>
+              </p:cNvGraphicFramePr>
+              <p:nvPr/>
+            </p:nvGraphicFramePr>
+            <p:xfrm>
+              <a:off x="1291145" y="4101643"/>
+              <a:ext cx="5490000" cy="370840"/>
+            </p:xfrm>
+            <a:graphic>
+              <a:graphicData uri="http://schemas.openxmlformats.org/drawingml/2006/table">
+                <a:tbl>
+                  <a:tblPr firstRow="1" bandRow="1">
+                    <a:tableStyleId>{5940675A-B579-460E-94D1-54222C63F5DA}</a:tableStyleId>
+                  </a:tblPr>
+                  <a:tblGrid>
+                    <a:gridCol w="1494000">
+                      <a:extLst>
+                        <a:ext uri="{9D8B030D-6E8A-4147-A177-3AD203B41FA5}">
+                          <a16:colId xmlns:a16="http://schemas.microsoft.com/office/drawing/2014/main" val="558195682"/>
+                        </a:ext>
+                      </a:extLst>
+                    </a:gridCol>
+                    <a:gridCol w="1332000">
+                      <a:extLst>
+                        <a:ext uri="{9D8B030D-6E8A-4147-A177-3AD203B41FA5}">
+                          <a16:colId xmlns:a16="http://schemas.microsoft.com/office/drawing/2014/main" val="4201501010"/>
+                        </a:ext>
+                      </a:extLst>
+                    </a:gridCol>
+                    <a:gridCol w="1332000">
+                      <a:extLst>
+                        <a:ext uri="{9D8B030D-6E8A-4147-A177-3AD203B41FA5}">
+                          <a16:colId xmlns:a16="http://schemas.microsoft.com/office/drawing/2014/main" val="1930953925"/>
+                        </a:ext>
+                      </a:extLst>
+                    </a:gridCol>
+                    <a:gridCol w="1332000">
+                      <a:extLst>
+                        <a:ext uri="{9D8B030D-6E8A-4147-A177-3AD203B41FA5}">
+                          <a16:colId xmlns:a16="http://schemas.microsoft.com/office/drawing/2014/main" val="2950157957"/>
+                        </a:ext>
+                      </a:extLst>
+                    </a:gridCol>
+                  </a:tblGrid>
+                  <a:tr h="370840">
+                    <a:tc>
+                      <a:txBody>
+                        <a:bodyPr/>
+                        <a:lstStyle/>
+                        <a:p>
+                          <a:pPr algn="ctr"/>
+                          <a14:m>
+                            <m:oMathPara xmlns:m="http://schemas.openxmlformats.org/officeDocument/2006/math">
+                              <m:oMathParaPr>
+                                <m:jc m:val="centerGroup"/>
+                              </m:oMathParaPr>
+                              <m:oMath xmlns:m="http://schemas.openxmlformats.org/officeDocument/2006/math">
+                                <m:d>
+                                  <m:dPr>
+                                    <m:begChr m:val="⟨"/>
+                                    <m:endChr m:val="⟩"/>
+                                    <m:ctrlPr>
+                                      <a:rPr lang="en-GB" i="1" smtClean="0">
+                                        <a:latin typeface="Cambria Math" panose="02040503050406030204" pitchFamily="18" charset="0"/>
+                                      </a:rPr>
+                                    </m:ctrlPr>
+                                  </m:dPr>
+                                  <m:e>
+                                    <m:r>
+                                      <a:rPr lang="en-GB" b="0" smtClean="0">
+                                        <a:latin typeface="Cambria Math" panose="02040503050406030204" pitchFamily="18" charset="0"/>
+                                      </a:rPr>
+                                      <m:t>𝑑</m:t>
+                                    </m:r>
+                                  </m:e>
+                                </m:d>
+                              </m:oMath>
+                            </m:oMathPara>
+                          </a14:m>
+                          <a:endParaRPr lang="en-GB" dirty="0"/>
+                        </a:p>
+                      </a:txBody>
+                      <a:tcPr/>
+                    </a:tc>
+                    <a:tc>
+                      <a:txBody>
+                        <a:bodyPr/>
+                        <a:lstStyle/>
+                        <a:p>
+                          <a:pPr algn="ctr"/>
+                          <a14:m>
+                            <m:oMathPara xmlns:m="http://schemas.openxmlformats.org/officeDocument/2006/math">
+                              <m:oMathParaPr>
+                                <m:jc m:val="centerGroup"/>
+                              </m:oMathParaPr>
+                              <m:oMath xmlns:m="http://schemas.openxmlformats.org/officeDocument/2006/math">
+                                <m:r>
+                                  <a:rPr lang="en-GB" b="0" smtClean="0">
+                                    <a:latin typeface="Cambria Math" panose="02040503050406030204" pitchFamily="18" charset="0"/>
+                                  </a:rPr>
+                                  <m:t>20.37</m:t>
+                                </m:r>
+                              </m:oMath>
+                            </m:oMathPara>
+                          </a14:m>
+                          <a:endParaRPr lang="en-GB" dirty="0"/>
+                        </a:p>
+                      </a:txBody>
+                      <a:tcPr/>
+                    </a:tc>
+                    <a:tc>
+                      <a:txBody>
+                        <a:bodyPr/>
+                        <a:lstStyle/>
+                        <a:p>
+                          <a:pPr algn="ctr"/>
+                          <a14:m>
+                            <m:oMathPara xmlns:m="http://schemas.openxmlformats.org/officeDocument/2006/math">
+                              <m:oMathParaPr>
+                                <m:jc m:val="centerGroup"/>
+                              </m:oMathParaPr>
+                              <m:oMath xmlns:m="http://schemas.openxmlformats.org/officeDocument/2006/math">
+                                <m:r>
+                                  <a:rPr lang="en-GB" b="0" smtClean="0">
+                                    <a:latin typeface="Cambria Math" panose="02040503050406030204" pitchFamily="18" charset="0"/>
+                                  </a:rPr>
+                                  <m:t>0.51</m:t>
+                                </m:r>
+                              </m:oMath>
+                            </m:oMathPara>
+                          </a14:m>
+                          <a:endParaRPr lang="en-GB" dirty="0"/>
+                        </a:p>
+                      </a:txBody>
+                      <a:tcPr/>
+                    </a:tc>
+                    <a:tc>
+                      <a:txBody>
+                        <a:bodyPr/>
+                        <a:lstStyle/>
+                        <a:p>
+                          <a:pPr algn="ctr"/>
+                          <a14:m>
+                            <m:oMathPara xmlns:m="http://schemas.openxmlformats.org/officeDocument/2006/math">
+                              <m:oMathParaPr>
+                                <m:jc m:val="centerGroup"/>
+                              </m:oMathParaPr>
+                              <m:oMath xmlns:m="http://schemas.openxmlformats.org/officeDocument/2006/math">
+                                <m:r>
+                                  <a:rPr lang="en-GB" b="0" smtClean="0">
+                                    <a:latin typeface="Cambria Math" panose="02040503050406030204" pitchFamily="18" charset="0"/>
+                                  </a:rPr>
+                                  <m:t>1.60</m:t>
+                                </m:r>
+                              </m:oMath>
+                            </m:oMathPara>
+                          </a14:m>
+                          <a:endParaRPr lang="en-GB" dirty="0"/>
+                        </a:p>
+                      </a:txBody>
+                      <a:tcPr/>
+                    </a:tc>
+                    <a:extLst>
+                      <a:ext uri="{0D108BD9-81ED-4DB2-BD59-A6C34878D82A}">
+                        <a16:rowId xmlns:a16="http://schemas.microsoft.com/office/drawing/2014/main" val="2223625805"/>
+                      </a:ext>
+                    </a:extLst>
+                  </a:tr>
+                </a:tbl>
+              </a:graphicData>
+            </a:graphic>
+          </p:graphicFrame>
+        </mc:Choice>
+        <mc:Fallback xmlns="">
+          <p:graphicFrame>
+            <p:nvGraphicFramePr>
+              <p:cNvPr id="7" name="Table 8">
+                <a:extLst>
+                  <a:ext uri="{FF2B5EF4-FFF2-40B4-BE49-F238E27FC236}">
+                    <a16:creationId xmlns:a16="http://schemas.microsoft.com/office/drawing/2014/main" id="{C033FC3D-5BEF-4894-8AFB-77E53B443C2F}"/>
+                  </a:ext>
+                </a:extLst>
+              </p:cNvPr>
+              <p:cNvGraphicFramePr>
+                <a:graphicFrameLocks noGrp="1"/>
+              </p:cNvGraphicFramePr>
+              <p:nvPr/>
+            </p:nvGraphicFramePr>
+            <p:xfrm>
+              <a:off x="1291145" y="4101643"/>
+              <a:ext cx="5490000" cy="370840"/>
+            </p:xfrm>
+            <a:graphic>
+              <a:graphicData uri="http://schemas.openxmlformats.org/drawingml/2006/table">
+                <a:tbl>
+                  <a:tblPr firstRow="1" bandRow="1">
+                    <a:tableStyleId>{5940675A-B579-460E-94D1-54222C63F5DA}</a:tableStyleId>
+                  </a:tblPr>
+                  <a:tblGrid>
+                    <a:gridCol w="1494000">
+                      <a:extLst>
+                        <a:ext uri="{9D8B030D-6E8A-4147-A177-3AD203B41FA5}">
+                          <a16:colId xmlns:a16="http://schemas.microsoft.com/office/drawing/2014/main" val="558195682"/>
+                        </a:ext>
+                      </a:extLst>
+                    </a:gridCol>
+                    <a:gridCol w="1332000">
+                      <a:extLst>
+                        <a:ext uri="{9D8B030D-6E8A-4147-A177-3AD203B41FA5}">
+                          <a16:colId xmlns:a16="http://schemas.microsoft.com/office/drawing/2014/main" val="4201501010"/>
+                        </a:ext>
+                      </a:extLst>
+                    </a:gridCol>
+                    <a:gridCol w="1332000">
+                      <a:extLst>
+                        <a:ext uri="{9D8B030D-6E8A-4147-A177-3AD203B41FA5}">
+                          <a16:colId xmlns:a16="http://schemas.microsoft.com/office/drawing/2014/main" val="1930953925"/>
+                        </a:ext>
+                      </a:extLst>
+                    </a:gridCol>
+                    <a:gridCol w="1332000">
+                      <a:extLst>
+                        <a:ext uri="{9D8B030D-6E8A-4147-A177-3AD203B41FA5}">
+                          <a16:colId xmlns:a16="http://schemas.microsoft.com/office/drawing/2014/main" val="2950157957"/>
+                        </a:ext>
+                      </a:extLst>
+                    </a:gridCol>
+                  </a:tblGrid>
+                  <a:tr h="370840">
+                    <a:tc>
+                      <a:txBody>
+                        <a:bodyPr/>
+                        <a:lstStyle/>
+                        <a:p>
+                          <a:endParaRPr lang="en-US"/>
+                        </a:p>
+                      </a:txBody>
+                      <a:tcPr>
+                        <a:blipFill>
+                          <a:blip r:embed="rId4"/>
+                          <a:stretch>
+                            <a:fillRect l="-408" t="-1613" r="-268980" b="-3226"/>
+                          </a:stretch>
+                        </a:blipFill>
+                      </a:tcPr>
+                    </a:tc>
+                    <a:tc>
+                      <a:txBody>
+                        <a:bodyPr/>
+                        <a:lstStyle/>
+                        <a:p>
+                          <a:endParaRPr lang="en-US"/>
+                        </a:p>
+                      </a:txBody>
+                      <a:tcPr>
+                        <a:blipFill>
+                          <a:blip r:embed="rId4"/>
+                          <a:stretch>
+                            <a:fillRect l="-112329" t="-1613" r="-200913" b="-3226"/>
+                          </a:stretch>
+                        </a:blipFill>
+                      </a:tcPr>
+                    </a:tc>
+                    <a:tc>
+                      <a:txBody>
+                        <a:bodyPr/>
+                        <a:lstStyle/>
+                        <a:p>
+                          <a:endParaRPr lang="en-US"/>
+                        </a:p>
+                      </a:txBody>
+                      <a:tcPr>
+                        <a:blipFill>
+                          <a:blip r:embed="rId4"/>
+                          <a:stretch>
+                            <a:fillRect l="-212329" t="-1613" r="-100913" b="-3226"/>
+                          </a:stretch>
+                        </a:blipFill>
+                      </a:tcPr>
+                    </a:tc>
+                    <a:tc>
+                      <a:txBody>
+                        <a:bodyPr/>
+                        <a:lstStyle/>
+                        <a:p>
+                          <a:endParaRPr lang="en-US"/>
+                        </a:p>
+                      </a:txBody>
+                      <a:tcPr>
+                        <a:blipFill>
+                          <a:blip r:embed="rId4"/>
+                          <a:stretch>
+                            <a:fillRect l="-312329" t="-1613" r="-913" b="-3226"/>
+                          </a:stretch>
+                        </a:blipFill>
+                      </a:tcPr>
+                    </a:tc>
+                    <a:extLst>
+                      <a:ext uri="{0D108BD9-81ED-4DB2-BD59-A6C34878D82A}">
+                        <a16:rowId xmlns:a16="http://schemas.microsoft.com/office/drawing/2014/main" val="2223625805"/>
+                      </a:ext>
+                    </a:extLst>
+                  </a:tr>
+                </a:tbl>
+              </a:graphicData>
+            </a:graphic>
+          </p:graphicFrame>
+        </mc:Fallback>
+      </mc:AlternateContent>
+      <mc:AlternateContent xmlns:mc="http://schemas.openxmlformats.org/markup-compatibility/2006" xmlns:a14="http://schemas.microsoft.com/office/drawing/2010/main">
+        <mc:Choice Requires="a14">
+          <p:graphicFrame>
+            <p:nvGraphicFramePr>
+              <p:cNvPr id="9" name="Table 9">
+                <a:extLst>
+                  <a:ext uri="{FF2B5EF4-FFF2-40B4-BE49-F238E27FC236}">
+                    <a16:creationId xmlns:a16="http://schemas.microsoft.com/office/drawing/2014/main" id="{339A3B5C-0451-4850-8F65-FFD602D7E419}"/>
+                  </a:ext>
+                </a:extLst>
+              </p:cNvPr>
+              <p:cNvGraphicFramePr>
+                <a:graphicFrameLocks noGrp="1"/>
+              </p:cNvGraphicFramePr>
+              <p:nvPr/>
+            </p:nvGraphicFramePr>
+            <p:xfrm>
+              <a:off x="6998283" y="4101643"/>
+              <a:ext cx="3996000" cy="370840"/>
+            </p:xfrm>
+            <a:graphic>
+              <a:graphicData uri="http://schemas.openxmlformats.org/drawingml/2006/table">
+                <a:tbl>
+                  <a:tblPr firstRow="1" bandRow="1">
+                    <a:tableStyleId>{5940675A-B579-460E-94D1-54222C63F5DA}</a:tableStyleId>
+                  </a:tblPr>
+                  <a:tblGrid>
+                    <a:gridCol w="1332000">
+                      <a:extLst>
+                        <a:ext uri="{9D8B030D-6E8A-4147-A177-3AD203B41FA5}">
+                          <a16:colId xmlns:a16="http://schemas.microsoft.com/office/drawing/2014/main" val="3861694496"/>
+                        </a:ext>
+                      </a:extLst>
+                    </a:gridCol>
+                    <a:gridCol w="1332000">
+                      <a:extLst>
+                        <a:ext uri="{9D8B030D-6E8A-4147-A177-3AD203B41FA5}">
+                          <a16:colId xmlns:a16="http://schemas.microsoft.com/office/drawing/2014/main" val="799722917"/>
+                        </a:ext>
+                      </a:extLst>
+                    </a:gridCol>
+                    <a:gridCol w="1332000">
+                      <a:extLst>
+                        <a:ext uri="{9D8B030D-6E8A-4147-A177-3AD203B41FA5}">
+                          <a16:colId xmlns:a16="http://schemas.microsoft.com/office/drawing/2014/main" val="1072072310"/>
+                        </a:ext>
+                      </a:extLst>
+                    </a:gridCol>
+                  </a:tblGrid>
+                  <a:tr h="370840">
+                    <a:tc>
+                      <a:txBody>
+                        <a:bodyPr/>
+                        <a:lstStyle/>
+                        <a:p>
+                          <a:pPr algn="ctr"/>
+                          <a14:m>
+                            <m:oMathPara xmlns:m="http://schemas.openxmlformats.org/officeDocument/2006/math">
+                              <m:oMathParaPr>
+                                <m:jc m:val="centerGroup"/>
+                              </m:oMathParaPr>
+                              <m:oMath xmlns:m="http://schemas.openxmlformats.org/officeDocument/2006/math">
+                                <m:r>
+                                  <a:rPr lang="en-GB" b="0" smtClean="0">
+                                    <a:latin typeface="Cambria Math" panose="02040503050406030204" pitchFamily="18" charset="0"/>
+                                  </a:rPr>
+                                  <m:t>24.23</m:t>
+                                </m:r>
+                              </m:oMath>
+                            </m:oMathPara>
+                          </a14:m>
+                          <a:endParaRPr lang="en-GB" dirty="0"/>
+                        </a:p>
+                      </a:txBody>
+                      <a:tcPr/>
+                    </a:tc>
+                    <a:tc>
+                      <a:txBody>
+                        <a:bodyPr/>
+                        <a:lstStyle/>
+                        <a:p>
+                          <a:pPr algn="ctr"/>
+                          <a14:m>
+                            <m:oMathPara xmlns:m="http://schemas.openxmlformats.org/officeDocument/2006/math">
+                              <m:oMathParaPr>
+                                <m:jc m:val="centerGroup"/>
+                              </m:oMathParaPr>
+                              <m:oMath xmlns:m="http://schemas.openxmlformats.org/officeDocument/2006/math">
+                                <m:r>
+                                  <a:rPr lang="en-GB" b="0" smtClean="0">
+                                    <a:latin typeface="Cambria Math" panose="02040503050406030204" pitchFamily="18" charset="0"/>
+                                  </a:rPr>
+                                  <m:t>0.62</m:t>
+                                </m:r>
+                              </m:oMath>
+                            </m:oMathPara>
+                          </a14:m>
+                          <a:endParaRPr lang="en-GB" dirty="0"/>
+                        </a:p>
+                      </a:txBody>
+                      <a:tcPr/>
+                    </a:tc>
+                    <a:tc>
+                      <a:txBody>
+                        <a:bodyPr/>
+                        <a:lstStyle/>
+                        <a:p>
+                          <a:pPr algn="ctr"/>
+                          <a14:m>
+                            <m:oMathPara xmlns:m="http://schemas.openxmlformats.org/officeDocument/2006/math">
+                              <m:oMathParaPr>
+                                <m:jc m:val="centerGroup"/>
+                              </m:oMathParaPr>
+                              <m:oMath xmlns:m="http://schemas.openxmlformats.org/officeDocument/2006/math">
+                                <m:r>
+                                  <a:rPr lang="en-GB" b="0" smtClean="0">
+                                    <a:latin typeface="Cambria Math" panose="02040503050406030204" pitchFamily="18" charset="0"/>
+                                  </a:rPr>
+                                  <m:t>1.90</m:t>
+                                </m:r>
+                              </m:oMath>
+                            </m:oMathPara>
+                          </a14:m>
+                          <a:endParaRPr lang="en-GB" dirty="0"/>
+                        </a:p>
+                      </a:txBody>
+                      <a:tcPr/>
+                    </a:tc>
+                    <a:extLst>
+                      <a:ext uri="{0D108BD9-81ED-4DB2-BD59-A6C34878D82A}">
+                        <a16:rowId xmlns:a16="http://schemas.microsoft.com/office/drawing/2014/main" val="1534181461"/>
+                      </a:ext>
+                    </a:extLst>
+                  </a:tr>
+                </a:tbl>
+              </a:graphicData>
+            </a:graphic>
+          </p:graphicFrame>
+        </mc:Choice>
+        <mc:Fallback xmlns="">
+          <p:graphicFrame>
+            <p:nvGraphicFramePr>
+              <p:cNvPr id="9" name="Table 9">
+                <a:extLst>
+                  <a:ext uri="{FF2B5EF4-FFF2-40B4-BE49-F238E27FC236}">
+                    <a16:creationId xmlns:a16="http://schemas.microsoft.com/office/drawing/2014/main" id="{339A3B5C-0451-4850-8F65-FFD602D7E419}"/>
+                  </a:ext>
+                </a:extLst>
+              </p:cNvPr>
+              <p:cNvGraphicFramePr>
+                <a:graphicFrameLocks noGrp="1"/>
+              </p:cNvGraphicFramePr>
+              <p:nvPr/>
+            </p:nvGraphicFramePr>
+            <p:xfrm>
+              <a:off x="6998283" y="4101643"/>
+              <a:ext cx="3996000" cy="370840"/>
+            </p:xfrm>
+            <a:graphic>
+              <a:graphicData uri="http://schemas.openxmlformats.org/drawingml/2006/table">
+                <a:tbl>
+                  <a:tblPr firstRow="1" bandRow="1">
+                    <a:tableStyleId>{5940675A-B579-460E-94D1-54222C63F5DA}</a:tableStyleId>
+                  </a:tblPr>
+                  <a:tblGrid>
+                    <a:gridCol w="1332000">
+                      <a:extLst>
+                        <a:ext uri="{9D8B030D-6E8A-4147-A177-3AD203B41FA5}">
+                          <a16:colId xmlns:a16="http://schemas.microsoft.com/office/drawing/2014/main" val="3861694496"/>
+                        </a:ext>
+                      </a:extLst>
+                    </a:gridCol>
+                    <a:gridCol w="1332000">
+                      <a:extLst>
+                        <a:ext uri="{9D8B030D-6E8A-4147-A177-3AD203B41FA5}">
+                          <a16:colId xmlns:a16="http://schemas.microsoft.com/office/drawing/2014/main" val="799722917"/>
+                        </a:ext>
+                      </a:extLst>
+                    </a:gridCol>
+                    <a:gridCol w="1332000">
+                      <a:extLst>
+                        <a:ext uri="{9D8B030D-6E8A-4147-A177-3AD203B41FA5}">
+                          <a16:colId xmlns:a16="http://schemas.microsoft.com/office/drawing/2014/main" val="1072072310"/>
+                        </a:ext>
+                      </a:extLst>
+                    </a:gridCol>
+                  </a:tblGrid>
+                  <a:tr h="370840">
+                    <a:tc>
+                      <a:txBody>
+                        <a:bodyPr/>
+                        <a:lstStyle/>
+                        <a:p>
+                          <a:endParaRPr lang="en-US"/>
+                        </a:p>
+                      </a:txBody>
+                      <a:tcPr>
+                        <a:blipFill>
+                          <a:blip r:embed="rId5"/>
+                          <a:stretch>
+                            <a:fillRect l="-913" t="-1613" r="-200457" b="-3226"/>
+                          </a:stretch>
+                        </a:blipFill>
+                      </a:tcPr>
+                    </a:tc>
+                    <a:tc>
+                      <a:txBody>
+                        <a:bodyPr/>
+                        <a:lstStyle/>
+                        <a:p>
+                          <a:endParaRPr lang="en-US"/>
+                        </a:p>
+                      </a:txBody>
+                      <a:tcPr>
+                        <a:blipFill>
+                          <a:blip r:embed="rId5"/>
+                          <a:stretch>
+                            <a:fillRect l="-101376" t="-1613" r="-101376" b="-3226"/>
+                          </a:stretch>
+                        </a:blipFill>
+                      </a:tcPr>
+                    </a:tc>
+                    <a:tc>
+                      <a:txBody>
+                        <a:bodyPr/>
+                        <a:lstStyle/>
+                        <a:p>
+                          <a:endParaRPr lang="en-US"/>
+                        </a:p>
+                      </a:txBody>
+                      <a:tcPr>
+                        <a:blipFill>
+                          <a:blip r:embed="rId5"/>
+                          <a:stretch>
+                            <a:fillRect l="-200457" t="-1613" r="-913" b="-3226"/>
+                          </a:stretch>
+                        </a:blipFill>
+                      </a:tcPr>
+                    </a:tc>
+                    <a:extLst>
+                      <a:ext uri="{0D108BD9-81ED-4DB2-BD59-A6C34878D82A}">
+                        <a16:rowId xmlns:a16="http://schemas.microsoft.com/office/drawing/2014/main" val="1534181461"/>
+                      </a:ext>
+                    </a:extLst>
+                  </a:tr>
+                </a:tbl>
+              </a:graphicData>
+            </a:graphic>
+          </p:graphicFrame>
+        </mc:Fallback>
+      </mc:AlternateContent>
+    </p:spTree>
+    <p:extLst>
+      <p:ext uri="{BB962C8B-B14F-4D97-AF65-F5344CB8AC3E}">
+        <p14:creationId xmlns:p14="http://schemas.microsoft.com/office/powerpoint/2010/main" val="3136277667"/>
       </p:ext>
     </p:extLst>
   </p:cSld>
